--- a/JFM/figs/young.pptx
+++ b/JFM/figs/young.pptx
@@ -255,7 +255,7 @@
           <a:p>
             <a:fld id="{45DBF83F-55E3-4167-A17D-7A8D9E494F19}" type="datetimeFigureOut">
               <a:rPr lang="en-US" smtClean="0"/>
-              <a:t>3/13/2022</a:t>
+              <a:t>3/17/2022</a:t>
             </a:fld>
             <a:endParaRPr lang="en-US"/>
           </a:p>
@@ -425,7 +425,7 @@
           <a:p>
             <a:fld id="{45DBF83F-55E3-4167-A17D-7A8D9E494F19}" type="datetimeFigureOut">
               <a:rPr lang="en-US" smtClean="0"/>
-              <a:t>3/13/2022</a:t>
+              <a:t>3/17/2022</a:t>
             </a:fld>
             <a:endParaRPr lang="en-US"/>
           </a:p>
@@ -605,7 +605,7 @@
           <a:p>
             <a:fld id="{45DBF83F-55E3-4167-A17D-7A8D9E494F19}" type="datetimeFigureOut">
               <a:rPr lang="en-US" smtClean="0"/>
-              <a:t>3/13/2022</a:t>
+              <a:t>3/17/2022</a:t>
             </a:fld>
             <a:endParaRPr lang="en-US"/>
           </a:p>
@@ -775,7 +775,7 @@
           <a:p>
             <a:fld id="{45DBF83F-55E3-4167-A17D-7A8D9E494F19}" type="datetimeFigureOut">
               <a:rPr lang="en-US" smtClean="0"/>
-              <a:t>3/13/2022</a:t>
+              <a:t>3/17/2022</a:t>
             </a:fld>
             <a:endParaRPr lang="en-US"/>
           </a:p>
@@ -1019,7 +1019,7 @@
           <a:p>
             <a:fld id="{45DBF83F-55E3-4167-A17D-7A8D9E494F19}" type="datetimeFigureOut">
               <a:rPr lang="en-US" smtClean="0"/>
-              <a:t>3/13/2022</a:t>
+              <a:t>3/17/2022</a:t>
             </a:fld>
             <a:endParaRPr lang="en-US"/>
           </a:p>
@@ -1251,7 +1251,7 @@
           <a:p>
             <a:fld id="{45DBF83F-55E3-4167-A17D-7A8D9E494F19}" type="datetimeFigureOut">
               <a:rPr lang="en-US" smtClean="0"/>
-              <a:t>3/13/2022</a:t>
+              <a:t>3/17/2022</a:t>
             </a:fld>
             <a:endParaRPr lang="en-US"/>
           </a:p>
@@ -1618,7 +1618,7 @@
           <a:p>
             <a:fld id="{45DBF83F-55E3-4167-A17D-7A8D9E494F19}" type="datetimeFigureOut">
               <a:rPr lang="en-US" smtClean="0"/>
-              <a:t>3/13/2022</a:t>
+              <a:t>3/17/2022</a:t>
             </a:fld>
             <a:endParaRPr lang="en-US"/>
           </a:p>
@@ -1736,7 +1736,7 @@
           <a:p>
             <a:fld id="{45DBF83F-55E3-4167-A17D-7A8D9E494F19}" type="datetimeFigureOut">
               <a:rPr lang="en-US" smtClean="0"/>
-              <a:t>3/13/2022</a:t>
+              <a:t>3/17/2022</a:t>
             </a:fld>
             <a:endParaRPr lang="en-US"/>
           </a:p>
@@ -1831,7 +1831,7 @@
           <a:p>
             <a:fld id="{45DBF83F-55E3-4167-A17D-7A8D9E494F19}" type="datetimeFigureOut">
               <a:rPr lang="en-US" smtClean="0"/>
-              <a:t>3/13/2022</a:t>
+              <a:t>3/17/2022</a:t>
             </a:fld>
             <a:endParaRPr lang="en-US"/>
           </a:p>
@@ -2108,7 +2108,7 @@
           <a:p>
             <a:fld id="{45DBF83F-55E3-4167-A17D-7A8D9E494F19}" type="datetimeFigureOut">
               <a:rPr lang="en-US" smtClean="0"/>
-              <a:t>3/13/2022</a:t>
+              <a:t>3/17/2022</a:t>
             </a:fld>
             <a:endParaRPr lang="en-US"/>
           </a:p>
@@ -2365,7 +2365,7 @@
           <a:p>
             <a:fld id="{45DBF83F-55E3-4167-A17D-7A8D9E494F19}" type="datetimeFigureOut">
               <a:rPr lang="en-US" smtClean="0"/>
-              <a:t>3/13/2022</a:t>
+              <a:t>3/17/2022</a:t>
             </a:fld>
             <a:endParaRPr lang="en-US"/>
           </a:p>
@@ -2578,7 +2578,7 @@
           <a:p>
             <a:fld id="{45DBF83F-55E3-4167-A17D-7A8D9E494F19}" type="datetimeFigureOut">
               <a:rPr lang="en-US" smtClean="0"/>
-              <a:t>3/13/2022</a:t>
+              <a:t>3/17/2022</a:t>
             </a:fld>
             <a:endParaRPr lang="en-US"/>
           </a:p>
@@ -3092,8 +3092,8 @@
           </a:p>
         </p:txBody>
       </p:sp>
-      <mc:AlternateContent xmlns:mc="http://schemas.openxmlformats.org/markup-compatibility/2006">
-        <mc:Choice xmlns:a14="http://schemas.microsoft.com/office/drawing/2010/main" Requires="a14">
+      <mc:AlternateContent xmlns:mc="http://schemas.openxmlformats.org/markup-compatibility/2006" xmlns:a14="http://schemas.microsoft.com/office/drawing/2010/main">
+        <mc:Choice Requires="a14">
           <p:sp>
             <p:nvSpPr>
               <p:cNvPr id="97" name="TextBox 96">
@@ -3178,7 +3178,7 @@
             </p:txBody>
           </p:sp>
         </mc:Choice>
-        <mc:Fallback>
+        <mc:Fallback xmlns="">
           <p:sp>
             <p:nvSpPr>
               <p:cNvPr id="97" name="TextBox 96">
@@ -3279,7 +3279,7 @@
         </p:nvSpPr>
         <p:spPr>
           <a:xfrm>
-            <a:off x="2180605" y="1017056"/>
+            <a:off x="2180599" y="1017056"/>
             <a:ext cx="1939413" cy="3546987"/>
           </a:xfrm>
           <a:custGeom>
@@ -3916,7 +3916,7 @@
         </p:nvCxnSpPr>
         <p:spPr>
           <a:xfrm>
-            <a:off x="2180600" y="1017057"/>
+            <a:off x="2180594" y="1017057"/>
             <a:ext cx="427136" cy="310285"/>
           </a:xfrm>
           <a:prstGeom prst="straightConnector1">
@@ -4034,51 +4034,6 @@
       </p:cxnSp>
       <p:cxnSp>
         <p:nvCxnSpPr>
-          <p:cNvPr id="96" name="Straight Arrow Connector 95">
-            <a:extLst>
-              <a:ext uri="{FF2B5EF4-FFF2-40B4-BE49-F238E27FC236}">
-                <a16:creationId xmlns:a16="http://schemas.microsoft.com/office/drawing/2014/main" id="{5D44E272-F0A4-4AE3-A49D-7C40084DF261}"/>
-              </a:ext>
-            </a:extLst>
-          </p:cNvPr>
-          <p:cNvCxnSpPr>
-            <a:cxnSpLocks/>
-            <a:stCxn id="2" idx="2"/>
-          </p:cNvCxnSpPr>
-          <p:nvPr/>
-        </p:nvCxnSpPr>
-        <p:spPr>
-          <a:xfrm flipH="1">
-            <a:off x="2846785" y="4328069"/>
-            <a:ext cx="513691" cy="100123"/>
-          </a:xfrm>
-          <a:prstGeom prst="straightConnector1">
-            <a:avLst/>
-          </a:prstGeom>
-          <a:ln w="57150">
-            <a:solidFill>
-              <a:schemeClr val="tx1"/>
-            </a:solidFill>
-            <a:tailEnd type="stealth" w="lg" len="med"/>
-          </a:ln>
-        </p:spPr>
-        <p:style>
-          <a:lnRef idx="1">
-            <a:schemeClr val="accent1"/>
-          </a:lnRef>
-          <a:fillRef idx="0">
-            <a:schemeClr val="accent1"/>
-          </a:fillRef>
-          <a:effectRef idx="0">
-            <a:schemeClr val="accent1"/>
-          </a:effectRef>
-          <a:fontRef idx="minor">
-            <a:schemeClr val="tx1"/>
-          </a:fontRef>
-        </p:style>
-      </p:cxnSp>
-      <p:cxnSp>
-        <p:nvCxnSpPr>
           <p:cNvPr id="102" name="Straight Arrow Connector 101">
             <a:extLst>
               <a:ext uri="{FF2B5EF4-FFF2-40B4-BE49-F238E27FC236}">
@@ -4094,7 +4049,7 @@
         </p:nvCxnSpPr>
         <p:spPr>
           <a:xfrm flipV="1">
-            <a:off x="2180605" y="4455407"/>
+            <a:off x="2180599" y="4455407"/>
             <a:ext cx="520583" cy="108637"/>
           </a:xfrm>
           <a:prstGeom prst="straightConnector1">
@@ -5408,6 +5363,391 @@
           </a:fontRef>
         </p:style>
       </p:cxnSp>
+      <p:sp>
+        <p:nvSpPr>
+          <p:cNvPr id="3" name="Arc 2">
+            <a:extLst>
+              <a:ext uri="{FF2B5EF4-FFF2-40B4-BE49-F238E27FC236}">
+                <a16:creationId xmlns:a16="http://schemas.microsoft.com/office/drawing/2014/main" id="{B4F831F1-9A3F-4298-8900-97187348B0C8}"/>
+              </a:ext>
+            </a:extLst>
+          </p:cNvPr>
+          <p:cNvSpPr/>
+          <p:nvPr/>
+        </p:nvSpPr>
+        <p:spPr>
+          <a:xfrm>
+            <a:off x="1337471" y="156126"/>
+            <a:ext cx="1686254" cy="1686254"/>
+          </a:xfrm>
+          <a:prstGeom prst="arc">
+            <a:avLst>
+              <a:gd name="adj1" fmla="val 2195026"/>
+              <a:gd name="adj2" fmla="val 5409232"/>
+            </a:avLst>
+          </a:prstGeom>
+          <a:ln w="50800">
+            <a:solidFill>
+              <a:schemeClr val="accent2">
+                <a:lumMod val="75000"/>
+              </a:schemeClr>
+            </a:solidFill>
+            <a:headEnd type="none" w="lg" len="lg"/>
+            <a:tailEnd type="none" w="lg" len="lg"/>
+          </a:ln>
+        </p:spPr>
+        <p:style>
+          <a:lnRef idx="1">
+            <a:schemeClr val="accent1"/>
+          </a:lnRef>
+          <a:fillRef idx="0">
+            <a:schemeClr val="accent1"/>
+          </a:fillRef>
+          <a:effectRef idx="0">
+            <a:schemeClr val="accent1"/>
+          </a:effectRef>
+          <a:fontRef idx="minor">
+            <a:schemeClr val="tx1"/>
+          </a:fontRef>
+        </p:style>
+        <p:txBody>
+          <a:bodyPr rtlCol="0" anchor="ctr"/>
+          <a:lstStyle/>
+          <a:p>
+            <a:pPr algn="ctr"/>
+            <a:endParaRPr lang="en-US"/>
+          </a:p>
+        </p:txBody>
+      </p:sp>
+      <mc:AlternateContent xmlns:mc="http://schemas.openxmlformats.org/markup-compatibility/2006">
+        <mc:Choice xmlns:a14="http://schemas.microsoft.com/office/drawing/2010/main" Requires="a14">
+          <p:sp>
+            <p:nvSpPr>
+              <p:cNvPr id="37" name="TextBox 36">
+                <a:extLst>
+                  <a:ext uri="{FF2B5EF4-FFF2-40B4-BE49-F238E27FC236}">
+                    <a16:creationId xmlns:a16="http://schemas.microsoft.com/office/drawing/2014/main" id="{737C1929-7E0F-47B1-B197-ACE1E421D320}"/>
+                  </a:ext>
+                </a:extLst>
+              </p:cNvPr>
+              <p:cNvSpPr txBox="1"/>
+              <p:nvPr/>
+            </p:nvSpPr>
+            <p:spPr>
+              <a:xfrm>
+                <a:off x="1935834" y="2459435"/>
+                <a:ext cx="1134457" cy="523220"/>
+              </a:xfrm>
+              <a:prstGeom prst="rect">
+                <a:avLst/>
+              </a:prstGeom>
+              <a:noFill/>
+            </p:spPr>
+            <p:txBody>
+              <a:bodyPr wrap="square" rtlCol="0">
+                <a:spAutoFit/>
+              </a:bodyPr>
+              <a:lstStyle/>
+              <a:p>
+                <a:pPr algn="r"/>
+                <a14:m>
+                  <m:oMathPara xmlns:m="http://schemas.openxmlformats.org/officeDocument/2006/math">
+                    <m:oMathParaPr>
+                      <m:jc m:val="centerGroup"/>
+                    </m:oMathParaPr>
+                    <m:oMath xmlns:m="http://schemas.openxmlformats.org/officeDocument/2006/math">
+                      <m:sSub>
+                        <m:sSubPr>
+                          <m:ctrlPr>
+                            <a:rPr lang="en-US" sz="2800" b="0" i="1" dirty="0" smtClean="0">
+                              <a:solidFill>
+                                <a:schemeClr val="accent2">
+                                  <a:lumMod val="75000"/>
+                                </a:schemeClr>
+                              </a:solidFill>
+                              <a:latin typeface="Cambria Math" panose="02040503050406030204" pitchFamily="18" charset="0"/>
+                            </a:rPr>
+                          </m:ctrlPr>
+                        </m:sSubPr>
+                        <m:e>
+                          <m:r>
+                            <a:rPr lang="en-US" sz="2800" b="0" i="1" dirty="0" smtClean="0">
+                              <a:solidFill>
+                                <a:schemeClr val="accent2">
+                                  <a:lumMod val="75000"/>
+                                </a:schemeClr>
+                              </a:solidFill>
+                              <a:latin typeface="Cambria Math" panose="02040503050406030204" pitchFamily="18" charset="0"/>
+                            </a:rPr>
+                            <m:t>𝜃</m:t>
+                          </m:r>
+                        </m:e>
+                        <m:sub>
+                          <m:r>
+                            <a:rPr lang="en-US" sz="2800" b="0" i="1" dirty="0" smtClean="0">
+                              <a:solidFill>
+                                <a:schemeClr val="accent2">
+                                  <a:lumMod val="75000"/>
+                                </a:schemeClr>
+                              </a:solidFill>
+                              <a:latin typeface="Cambria Math" panose="02040503050406030204" pitchFamily="18" charset="0"/>
+                            </a:rPr>
+                            <m:t>𝑑</m:t>
+                          </m:r>
+                        </m:sub>
+                      </m:sSub>
+                    </m:oMath>
+                  </m:oMathPara>
+                </a14:m>
+                <a:endParaRPr lang="en-US" sz="2800" dirty="0">
+                  <a:solidFill>
+                    <a:schemeClr val="accent6">
+                      <a:lumMod val="75000"/>
+                    </a:schemeClr>
+                  </a:solidFill>
+                </a:endParaRPr>
+              </a:p>
+            </p:txBody>
+          </p:sp>
+        </mc:Choice>
+        <mc:Fallback>
+          <p:sp>
+            <p:nvSpPr>
+              <p:cNvPr id="37" name="TextBox 36">
+                <a:extLst>
+                  <a:ext uri="{FF2B5EF4-FFF2-40B4-BE49-F238E27FC236}">
+                    <a16:creationId xmlns:a16="http://schemas.microsoft.com/office/drawing/2014/main" id="{737C1929-7E0F-47B1-B197-ACE1E421D320}"/>
+                  </a:ext>
+                </a:extLst>
+              </p:cNvPr>
+              <p:cNvSpPr txBox="1">
+                <a:spLocks noRot="1" noChangeAspect="1" noMove="1" noResize="1" noEditPoints="1" noAdjustHandles="1" noChangeArrowheads="1" noChangeShapeType="1" noTextEdit="1"/>
+              </p:cNvSpPr>
+              <p:nvPr/>
+            </p:nvSpPr>
+            <p:spPr>
+              <a:xfrm>
+                <a:off x="1935834" y="2459435"/>
+                <a:ext cx="1134457" cy="523220"/>
+              </a:xfrm>
+              <a:prstGeom prst="rect">
+                <a:avLst/>
+              </a:prstGeom>
+              <a:blipFill>
+                <a:blip r:embed="rId8"/>
+                <a:stretch>
+                  <a:fillRect/>
+                </a:stretch>
+              </a:blipFill>
+            </p:spPr>
+            <p:txBody>
+              <a:bodyPr/>
+              <a:lstStyle/>
+              <a:p>
+                <a:r>
+                  <a:rPr lang="en-US">
+                    <a:noFill/>
+                  </a:rPr>
+                  <a:t> </a:t>
+                </a:r>
+              </a:p>
+            </p:txBody>
+          </p:sp>
+        </mc:Fallback>
+      </mc:AlternateContent>
+      <p:sp>
+        <p:nvSpPr>
+          <p:cNvPr id="38" name="Arc 37">
+            <a:extLst>
+              <a:ext uri="{FF2B5EF4-FFF2-40B4-BE49-F238E27FC236}">
+                <a16:creationId xmlns:a16="http://schemas.microsoft.com/office/drawing/2014/main" id="{BA7F8C2B-5E31-400F-BD1F-98E6D8133A27}"/>
+              </a:ext>
+            </a:extLst>
+          </p:cNvPr>
+          <p:cNvSpPr/>
+          <p:nvPr/>
+        </p:nvSpPr>
+        <p:spPr>
+          <a:xfrm>
+            <a:off x="1498630" y="3883329"/>
+            <a:ext cx="1332768" cy="1332768"/>
+          </a:xfrm>
+          <a:prstGeom prst="arc">
+            <a:avLst>
+              <a:gd name="adj1" fmla="val 16282801"/>
+              <a:gd name="adj2" fmla="val 20930292"/>
+            </a:avLst>
+          </a:prstGeom>
+          <a:ln w="50800">
+            <a:solidFill>
+              <a:schemeClr val="accent2">
+                <a:lumMod val="75000"/>
+              </a:schemeClr>
+            </a:solidFill>
+            <a:headEnd type="none" w="lg" len="lg"/>
+            <a:tailEnd type="none" w="lg" len="lg"/>
+          </a:ln>
+        </p:spPr>
+        <p:style>
+          <a:lnRef idx="1">
+            <a:schemeClr val="accent1"/>
+          </a:lnRef>
+          <a:fillRef idx="0">
+            <a:schemeClr val="accent1"/>
+          </a:fillRef>
+          <a:effectRef idx="0">
+            <a:schemeClr val="accent1"/>
+          </a:effectRef>
+          <a:fontRef idx="minor">
+            <a:schemeClr val="tx1"/>
+          </a:fontRef>
+        </p:style>
+        <p:txBody>
+          <a:bodyPr rtlCol="0" anchor="ctr"/>
+          <a:lstStyle/>
+          <a:p>
+            <a:pPr algn="ctr"/>
+            <a:endParaRPr lang="en-US"/>
+          </a:p>
+        </p:txBody>
+      </p:sp>
+      <p:cxnSp>
+        <p:nvCxnSpPr>
+          <p:cNvPr id="96" name="Straight Arrow Connector 95">
+            <a:extLst>
+              <a:ext uri="{FF2B5EF4-FFF2-40B4-BE49-F238E27FC236}">
+                <a16:creationId xmlns:a16="http://schemas.microsoft.com/office/drawing/2014/main" id="{5D44E272-F0A4-4AE3-A49D-7C40084DF261}"/>
+              </a:ext>
+            </a:extLst>
+          </p:cNvPr>
+          <p:cNvCxnSpPr>
+            <a:cxnSpLocks/>
+            <a:stCxn id="2" idx="2"/>
+          </p:cNvCxnSpPr>
+          <p:nvPr/>
+        </p:nvCxnSpPr>
+        <p:spPr>
+          <a:xfrm flipH="1">
+            <a:off x="2846779" y="4328069"/>
+            <a:ext cx="513691" cy="100123"/>
+          </a:xfrm>
+          <a:prstGeom prst="straightConnector1">
+            <a:avLst/>
+          </a:prstGeom>
+          <a:ln w="57150">
+            <a:solidFill>
+              <a:schemeClr val="tx1"/>
+            </a:solidFill>
+            <a:tailEnd type="stealth" w="lg" len="med"/>
+          </a:ln>
+        </p:spPr>
+        <p:style>
+          <a:lnRef idx="1">
+            <a:schemeClr val="accent1"/>
+          </a:lnRef>
+          <a:fillRef idx="0">
+            <a:schemeClr val="accent1"/>
+          </a:fillRef>
+          <a:effectRef idx="0">
+            <a:schemeClr val="accent1"/>
+          </a:effectRef>
+          <a:fontRef idx="minor">
+            <a:schemeClr val="tx1"/>
+          </a:fontRef>
+        </p:style>
+      </p:cxnSp>
+      <p:cxnSp>
+        <p:nvCxnSpPr>
+          <p:cNvPr id="39" name="Straight Connector 38">
+            <a:extLst>
+              <a:ext uri="{FF2B5EF4-FFF2-40B4-BE49-F238E27FC236}">
+                <a16:creationId xmlns:a16="http://schemas.microsoft.com/office/drawing/2014/main" id="{625413B9-B14C-4DFF-87D0-13ADA2827631}"/>
+              </a:ext>
+            </a:extLst>
+          </p:cNvPr>
+          <p:cNvCxnSpPr>
+            <a:cxnSpLocks/>
+            <a:stCxn id="37" idx="0"/>
+          </p:cNvCxnSpPr>
+          <p:nvPr/>
+        </p:nvCxnSpPr>
+        <p:spPr>
+          <a:xfrm flipV="1">
+            <a:off x="2503063" y="1779846"/>
+            <a:ext cx="44989" cy="679589"/>
+          </a:xfrm>
+          <a:prstGeom prst="line">
+            <a:avLst/>
+          </a:prstGeom>
+          <a:ln w="28575">
+            <a:solidFill>
+              <a:schemeClr val="accent2">
+                <a:lumMod val="75000"/>
+              </a:schemeClr>
+            </a:solidFill>
+          </a:ln>
+        </p:spPr>
+        <p:style>
+          <a:lnRef idx="1">
+            <a:schemeClr val="accent1"/>
+          </a:lnRef>
+          <a:fillRef idx="0">
+            <a:schemeClr val="accent1"/>
+          </a:fillRef>
+          <a:effectRef idx="0">
+            <a:schemeClr val="accent1"/>
+          </a:effectRef>
+          <a:fontRef idx="minor">
+            <a:schemeClr val="tx1"/>
+          </a:fontRef>
+        </p:style>
+      </p:cxnSp>
+      <p:cxnSp>
+        <p:nvCxnSpPr>
+          <p:cNvPr id="43" name="Straight Connector 42">
+            <a:extLst>
+              <a:ext uri="{FF2B5EF4-FFF2-40B4-BE49-F238E27FC236}">
+                <a16:creationId xmlns:a16="http://schemas.microsoft.com/office/drawing/2014/main" id="{99048581-2637-499B-A6DE-7BA70FB1DB79}"/>
+              </a:ext>
+            </a:extLst>
+          </p:cNvPr>
+          <p:cNvCxnSpPr>
+            <a:cxnSpLocks/>
+            <a:endCxn id="37" idx="2"/>
+          </p:cNvCxnSpPr>
+          <p:nvPr/>
+        </p:nvCxnSpPr>
+        <p:spPr>
+          <a:xfrm flipH="1" flipV="1">
+            <a:off x="2503063" y="2982655"/>
+            <a:ext cx="50651" cy="1017908"/>
+          </a:xfrm>
+          <a:prstGeom prst="line">
+            <a:avLst/>
+          </a:prstGeom>
+          <a:ln w="28575">
+            <a:solidFill>
+              <a:schemeClr val="accent2">
+                <a:lumMod val="75000"/>
+              </a:schemeClr>
+            </a:solidFill>
+          </a:ln>
+        </p:spPr>
+        <p:style>
+          <a:lnRef idx="1">
+            <a:schemeClr val="accent1"/>
+          </a:lnRef>
+          <a:fillRef idx="0">
+            <a:schemeClr val="accent1"/>
+          </a:fillRef>
+          <a:effectRef idx="0">
+            <a:schemeClr val="accent1"/>
+          </a:effectRef>
+          <a:fontRef idx="minor">
+            <a:schemeClr val="tx1"/>
+          </a:fontRef>
+        </p:style>
+      </p:cxnSp>
     </p:spTree>
     <p:extLst>
       <p:ext uri="{BB962C8B-B14F-4D97-AF65-F5344CB8AC3E}">

--- a/JFM/figs/young.pptx
+++ b/JFM/figs/young.pptx
@@ -2,12 +2,12 @@
 <file path=ppt/presentation.xml><?xml version="1.0" encoding="utf-8"?>
 <p:presentation xmlns:a="http://schemas.openxmlformats.org/drawingml/2006/main" xmlns:r="http://schemas.openxmlformats.org/officeDocument/2006/relationships" xmlns:p="http://schemas.openxmlformats.org/presentationml/2006/main" saveSubsetFonts="1">
   <p:sldMasterIdLst>
-    <p:sldMasterId id="2147483768" r:id="rId1"/>
+    <p:sldMasterId id="2147483780" r:id="rId1"/>
   </p:sldMasterIdLst>
   <p:sldIdLst>
     <p:sldId id="256" r:id="rId2"/>
   </p:sldIdLst>
-  <p:sldSz cx="5486400" cy="5668963"/>
+  <p:sldSz cx="5211763" cy="5668963"/>
   <p:notesSz cx="6858000" cy="9144000"/>
   <p:defaultTextStyle>
     <a:defPPr>
@@ -153,15 +153,15 @@
         </p:nvSpPr>
         <p:spPr>
           <a:xfrm>
-            <a:off x="411480" y="927768"/>
-            <a:ext cx="4663440" cy="1973639"/>
+            <a:off x="390882" y="927768"/>
+            <a:ext cx="4429999" cy="1973639"/>
           </a:xfrm>
         </p:spPr>
         <p:txBody>
           <a:bodyPr anchor="b"/>
           <a:lstStyle>
             <a:lvl1pPr algn="ctr">
-              <a:defRPr sz="3600"/>
+              <a:defRPr sz="3420"/>
             </a:lvl1pPr>
           </a:lstStyle>
           <a:p>
@@ -185,8 +185,8 @@
         </p:nvSpPr>
         <p:spPr>
           <a:xfrm>
-            <a:off x="685800" y="2977518"/>
-            <a:ext cx="4114800" cy="1368687"/>
+            <a:off x="651471" y="2977518"/>
+            <a:ext cx="3908822" cy="1368687"/>
           </a:xfrm>
         </p:spPr>
         <p:txBody>
@@ -194,39 +194,39 @@
           <a:lstStyle>
             <a:lvl1pPr marL="0" indent="0" algn="ctr">
               <a:buNone/>
-              <a:defRPr sz="1440"/>
+              <a:defRPr sz="1368"/>
             </a:lvl1pPr>
-            <a:lvl2pPr marL="274320" indent="0" algn="ctr">
-              <a:buNone/>
-              <a:defRPr sz="1200"/>
+            <a:lvl2pPr marL="260604" indent="0" algn="ctr">
+              <a:buNone/>
+              <a:defRPr sz="1140"/>
             </a:lvl2pPr>
-            <a:lvl3pPr marL="548640" indent="0" algn="ctr">
-              <a:buNone/>
-              <a:defRPr sz="1080"/>
+            <a:lvl3pPr marL="521208" indent="0" algn="ctr">
+              <a:buNone/>
+              <a:defRPr sz="1026"/>
             </a:lvl3pPr>
-            <a:lvl4pPr marL="822960" indent="0" algn="ctr">
-              <a:buNone/>
-              <a:defRPr sz="960"/>
+            <a:lvl4pPr marL="781812" indent="0" algn="ctr">
+              <a:buNone/>
+              <a:defRPr sz="912"/>
             </a:lvl4pPr>
-            <a:lvl5pPr marL="1097280" indent="0" algn="ctr">
-              <a:buNone/>
-              <a:defRPr sz="960"/>
+            <a:lvl5pPr marL="1042416" indent="0" algn="ctr">
+              <a:buNone/>
+              <a:defRPr sz="912"/>
             </a:lvl5pPr>
-            <a:lvl6pPr marL="1371600" indent="0" algn="ctr">
-              <a:buNone/>
-              <a:defRPr sz="960"/>
+            <a:lvl6pPr marL="1303020" indent="0" algn="ctr">
+              <a:buNone/>
+              <a:defRPr sz="912"/>
             </a:lvl6pPr>
-            <a:lvl7pPr marL="1645920" indent="0" algn="ctr">
-              <a:buNone/>
-              <a:defRPr sz="960"/>
+            <a:lvl7pPr marL="1563624" indent="0" algn="ctr">
+              <a:buNone/>
+              <a:defRPr sz="912"/>
             </a:lvl7pPr>
-            <a:lvl8pPr marL="1920240" indent="0" algn="ctr">
-              <a:buNone/>
-              <a:defRPr sz="960"/>
+            <a:lvl8pPr marL="1824228" indent="0" algn="ctr">
+              <a:buNone/>
+              <a:defRPr sz="912"/>
             </a:lvl8pPr>
-            <a:lvl9pPr marL="2194560" indent="0" algn="ctr">
-              <a:buNone/>
-              <a:defRPr sz="960"/>
+            <a:lvl9pPr marL="2084832" indent="0" algn="ctr">
+              <a:buNone/>
+              <a:defRPr sz="912"/>
             </a:lvl9pPr>
           </a:lstStyle>
           <a:p>
@@ -255,7 +255,7 @@
           <a:p>
             <a:fld id="{45DBF83F-55E3-4167-A17D-7A8D9E494F19}" type="datetimeFigureOut">
               <a:rPr lang="en-US" smtClean="0"/>
-              <a:t>3/17/2022</a:t>
+              <a:t>3/25/2022</a:t>
             </a:fld>
             <a:endParaRPr lang="en-US"/>
           </a:p>
@@ -306,7 +306,7 @@
     </p:spTree>
     <p:extLst>
       <p:ext uri="{BB962C8B-B14F-4D97-AF65-F5344CB8AC3E}">
-        <p14:creationId xmlns:p14="http://schemas.microsoft.com/office/powerpoint/2010/main" val="355612543"/>
+        <p14:creationId xmlns:p14="http://schemas.microsoft.com/office/powerpoint/2010/main" val="1956215115"/>
       </p:ext>
     </p:extLst>
   </p:cSld>
@@ -425,7 +425,7 @@
           <a:p>
             <a:fld id="{45DBF83F-55E3-4167-A17D-7A8D9E494F19}" type="datetimeFigureOut">
               <a:rPr lang="en-US" smtClean="0"/>
-              <a:t>3/17/2022</a:t>
+              <a:t>3/25/2022</a:t>
             </a:fld>
             <a:endParaRPr lang="en-US"/>
           </a:p>
@@ -476,7 +476,7 @@
     </p:spTree>
     <p:extLst>
       <p:ext uri="{BB962C8B-B14F-4D97-AF65-F5344CB8AC3E}">
-        <p14:creationId xmlns:p14="http://schemas.microsoft.com/office/powerpoint/2010/main" val="3907773665"/>
+        <p14:creationId xmlns:p14="http://schemas.microsoft.com/office/powerpoint/2010/main" val="1282775763"/>
       </p:ext>
     </p:extLst>
   </p:cSld>
@@ -515,8 +515,8 @@
         </p:nvSpPr>
         <p:spPr>
           <a:xfrm>
-            <a:off x="3926205" y="301820"/>
-            <a:ext cx="1183005" cy="4804184"/>
+            <a:off x="3729668" y="301820"/>
+            <a:ext cx="1123786" cy="4804184"/>
           </a:xfrm>
         </p:spPr>
         <p:txBody>
@@ -543,8 +543,8 @@
         </p:nvSpPr>
         <p:spPr>
           <a:xfrm>
-            <a:off x="377190" y="301820"/>
-            <a:ext cx="3480435" cy="4804184"/>
+            <a:off x="358309" y="301820"/>
+            <a:ext cx="3306212" cy="4804184"/>
           </a:xfrm>
         </p:spPr>
         <p:txBody>
@@ -605,7 +605,7 @@
           <a:p>
             <a:fld id="{45DBF83F-55E3-4167-A17D-7A8D9E494F19}" type="datetimeFigureOut">
               <a:rPr lang="en-US" smtClean="0"/>
-              <a:t>3/17/2022</a:t>
+              <a:t>3/25/2022</a:t>
             </a:fld>
             <a:endParaRPr lang="en-US"/>
           </a:p>
@@ -656,7 +656,7 @@
     </p:spTree>
     <p:extLst>
       <p:ext uri="{BB962C8B-B14F-4D97-AF65-F5344CB8AC3E}">
-        <p14:creationId xmlns:p14="http://schemas.microsoft.com/office/powerpoint/2010/main" val="288327205"/>
+        <p14:creationId xmlns:p14="http://schemas.microsoft.com/office/powerpoint/2010/main" val="3797427199"/>
       </p:ext>
     </p:extLst>
   </p:cSld>
@@ -775,7 +775,7 @@
           <a:p>
             <a:fld id="{45DBF83F-55E3-4167-A17D-7A8D9E494F19}" type="datetimeFigureOut">
               <a:rPr lang="en-US" smtClean="0"/>
-              <a:t>3/17/2022</a:t>
+              <a:t>3/25/2022</a:t>
             </a:fld>
             <a:endParaRPr lang="en-US"/>
           </a:p>
@@ -826,7 +826,7 @@
     </p:spTree>
     <p:extLst>
       <p:ext uri="{BB962C8B-B14F-4D97-AF65-F5344CB8AC3E}">
-        <p14:creationId xmlns:p14="http://schemas.microsoft.com/office/powerpoint/2010/main" val="2545279379"/>
+        <p14:creationId xmlns:p14="http://schemas.microsoft.com/office/powerpoint/2010/main" val="644776432"/>
       </p:ext>
     </p:extLst>
   </p:cSld>
@@ -865,15 +865,15 @@
         </p:nvSpPr>
         <p:spPr>
           <a:xfrm>
-            <a:off x="374333" y="1413305"/>
-            <a:ext cx="4732020" cy="2358131"/>
+            <a:off x="355594" y="1413305"/>
+            <a:ext cx="4495146" cy="2358131"/>
           </a:xfrm>
         </p:spPr>
         <p:txBody>
           <a:bodyPr anchor="b"/>
           <a:lstStyle>
             <a:lvl1pPr>
-              <a:defRPr sz="3600"/>
+              <a:defRPr sz="3420"/>
             </a:lvl1pPr>
           </a:lstStyle>
           <a:p>
@@ -897,8 +897,8 @@
         </p:nvSpPr>
         <p:spPr>
           <a:xfrm>
-            <a:off x="374333" y="3793745"/>
-            <a:ext cx="4732020" cy="1240085"/>
+            <a:off x="355594" y="3793745"/>
+            <a:ext cx="4495146" cy="1240085"/>
           </a:xfrm>
         </p:spPr>
         <p:txBody>
@@ -906,15 +906,15 @@
           <a:lstStyle>
             <a:lvl1pPr marL="0" indent="0">
               <a:buNone/>
-              <a:defRPr sz="1440">
+              <a:defRPr sz="1368">
                 <a:solidFill>
                   <a:schemeClr val="tx1"/>
                 </a:solidFill>
               </a:defRPr>
             </a:lvl1pPr>
-            <a:lvl2pPr marL="274320" indent="0">
-              <a:buNone/>
-              <a:defRPr sz="1200">
+            <a:lvl2pPr marL="260604" indent="0">
+              <a:buNone/>
+              <a:defRPr sz="1140">
                 <a:solidFill>
                   <a:schemeClr val="tx1">
                     <a:tint val="75000"/>
@@ -922,9 +922,9 @@
                 </a:solidFill>
               </a:defRPr>
             </a:lvl2pPr>
-            <a:lvl3pPr marL="548640" indent="0">
-              <a:buNone/>
-              <a:defRPr sz="1080">
+            <a:lvl3pPr marL="521208" indent="0">
+              <a:buNone/>
+              <a:defRPr sz="1026">
                 <a:solidFill>
                   <a:schemeClr val="tx1">
                     <a:tint val="75000"/>
@@ -932,9 +932,9 @@
                 </a:solidFill>
               </a:defRPr>
             </a:lvl3pPr>
-            <a:lvl4pPr marL="822960" indent="0">
-              <a:buNone/>
-              <a:defRPr sz="960">
+            <a:lvl4pPr marL="781812" indent="0">
+              <a:buNone/>
+              <a:defRPr sz="912">
                 <a:solidFill>
                   <a:schemeClr val="tx1">
                     <a:tint val="75000"/>
@@ -942,9 +942,9 @@
                 </a:solidFill>
               </a:defRPr>
             </a:lvl4pPr>
-            <a:lvl5pPr marL="1097280" indent="0">
-              <a:buNone/>
-              <a:defRPr sz="960">
+            <a:lvl5pPr marL="1042416" indent="0">
+              <a:buNone/>
+              <a:defRPr sz="912">
                 <a:solidFill>
                   <a:schemeClr val="tx1">
                     <a:tint val="75000"/>
@@ -952,9 +952,9 @@
                 </a:solidFill>
               </a:defRPr>
             </a:lvl5pPr>
-            <a:lvl6pPr marL="1371600" indent="0">
-              <a:buNone/>
-              <a:defRPr sz="960">
+            <a:lvl6pPr marL="1303020" indent="0">
+              <a:buNone/>
+              <a:defRPr sz="912">
                 <a:solidFill>
                   <a:schemeClr val="tx1">
                     <a:tint val="75000"/>
@@ -962,9 +962,9 @@
                 </a:solidFill>
               </a:defRPr>
             </a:lvl6pPr>
-            <a:lvl7pPr marL="1645920" indent="0">
-              <a:buNone/>
-              <a:defRPr sz="960">
+            <a:lvl7pPr marL="1563624" indent="0">
+              <a:buNone/>
+              <a:defRPr sz="912">
                 <a:solidFill>
                   <a:schemeClr val="tx1">
                     <a:tint val="75000"/>
@@ -972,9 +972,9 @@
                 </a:solidFill>
               </a:defRPr>
             </a:lvl7pPr>
-            <a:lvl8pPr marL="1920240" indent="0">
-              <a:buNone/>
-              <a:defRPr sz="960">
+            <a:lvl8pPr marL="1824228" indent="0">
+              <a:buNone/>
+              <a:defRPr sz="912">
                 <a:solidFill>
                   <a:schemeClr val="tx1">
                     <a:tint val="75000"/>
@@ -982,9 +982,9 @@
                 </a:solidFill>
               </a:defRPr>
             </a:lvl8pPr>
-            <a:lvl9pPr marL="2194560" indent="0">
-              <a:buNone/>
-              <a:defRPr sz="960">
+            <a:lvl9pPr marL="2084832" indent="0">
+              <a:buNone/>
+              <a:defRPr sz="912">
                 <a:solidFill>
                   <a:schemeClr val="tx1">
                     <a:tint val="75000"/>
@@ -1019,7 +1019,7 @@
           <a:p>
             <a:fld id="{45DBF83F-55E3-4167-A17D-7A8D9E494F19}" type="datetimeFigureOut">
               <a:rPr lang="en-US" smtClean="0"/>
-              <a:t>3/17/2022</a:t>
+              <a:t>3/25/2022</a:t>
             </a:fld>
             <a:endParaRPr lang="en-US"/>
           </a:p>
@@ -1070,7 +1070,7 @@
     </p:spTree>
     <p:extLst>
       <p:ext uri="{BB962C8B-B14F-4D97-AF65-F5344CB8AC3E}">
-        <p14:creationId xmlns:p14="http://schemas.microsoft.com/office/powerpoint/2010/main" val="3251632528"/>
+        <p14:creationId xmlns:p14="http://schemas.microsoft.com/office/powerpoint/2010/main" val="3454704193"/>
       </p:ext>
     </p:extLst>
   </p:cSld>
@@ -1132,8 +1132,8 @@
         </p:nvSpPr>
         <p:spPr>
           <a:xfrm>
-            <a:off x="377190" y="1509099"/>
-            <a:ext cx="2331720" cy="3596905"/>
+            <a:off x="358309" y="1509099"/>
+            <a:ext cx="2214999" cy="3596905"/>
           </a:xfrm>
         </p:spPr>
         <p:txBody>
@@ -1189,8 +1189,8 @@
         </p:nvSpPr>
         <p:spPr>
           <a:xfrm>
-            <a:off x="2777490" y="1509099"/>
-            <a:ext cx="2331720" cy="3596905"/>
+            <a:off x="2638455" y="1509099"/>
+            <a:ext cx="2214999" cy="3596905"/>
           </a:xfrm>
         </p:spPr>
         <p:txBody>
@@ -1251,7 +1251,7 @@
           <a:p>
             <a:fld id="{45DBF83F-55E3-4167-A17D-7A8D9E494F19}" type="datetimeFigureOut">
               <a:rPr lang="en-US" smtClean="0"/>
-              <a:t>3/17/2022</a:t>
+              <a:t>3/25/2022</a:t>
             </a:fld>
             <a:endParaRPr lang="en-US"/>
           </a:p>
@@ -1302,7 +1302,7 @@
     </p:spTree>
     <p:extLst>
       <p:ext uri="{BB962C8B-B14F-4D97-AF65-F5344CB8AC3E}">
-        <p14:creationId xmlns:p14="http://schemas.microsoft.com/office/powerpoint/2010/main" val="954714488"/>
+        <p14:creationId xmlns:p14="http://schemas.microsoft.com/office/powerpoint/2010/main" val="374444047"/>
       </p:ext>
     </p:extLst>
   </p:cSld>
@@ -1341,8 +1341,8 @@
         </p:nvSpPr>
         <p:spPr>
           <a:xfrm>
-            <a:off x="377905" y="301821"/>
-            <a:ext cx="4732020" cy="1095737"/>
+            <a:off x="358987" y="301821"/>
+            <a:ext cx="4495146" cy="1095737"/>
           </a:xfrm>
         </p:spPr>
         <p:txBody>
@@ -1369,8 +1369,8 @@
         </p:nvSpPr>
         <p:spPr>
           <a:xfrm>
-            <a:off x="377905" y="1389683"/>
-            <a:ext cx="2321004" cy="681063"/>
+            <a:off x="358988" y="1389683"/>
+            <a:ext cx="2204820" cy="681063"/>
           </a:xfrm>
         </p:spPr>
         <p:txBody>
@@ -1378,39 +1378,39 @@
           <a:lstStyle>
             <a:lvl1pPr marL="0" indent="0">
               <a:buNone/>
-              <a:defRPr sz="1440" b="1"/>
+              <a:defRPr sz="1368" b="1"/>
             </a:lvl1pPr>
-            <a:lvl2pPr marL="274320" indent="0">
-              <a:buNone/>
-              <a:defRPr sz="1200" b="1"/>
+            <a:lvl2pPr marL="260604" indent="0">
+              <a:buNone/>
+              <a:defRPr sz="1140" b="1"/>
             </a:lvl2pPr>
-            <a:lvl3pPr marL="548640" indent="0">
-              <a:buNone/>
-              <a:defRPr sz="1080" b="1"/>
+            <a:lvl3pPr marL="521208" indent="0">
+              <a:buNone/>
+              <a:defRPr sz="1026" b="1"/>
             </a:lvl3pPr>
-            <a:lvl4pPr marL="822960" indent="0">
-              <a:buNone/>
-              <a:defRPr sz="960" b="1"/>
+            <a:lvl4pPr marL="781812" indent="0">
+              <a:buNone/>
+              <a:defRPr sz="912" b="1"/>
             </a:lvl4pPr>
-            <a:lvl5pPr marL="1097280" indent="0">
-              <a:buNone/>
-              <a:defRPr sz="960" b="1"/>
+            <a:lvl5pPr marL="1042416" indent="0">
+              <a:buNone/>
+              <a:defRPr sz="912" b="1"/>
             </a:lvl5pPr>
-            <a:lvl6pPr marL="1371600" indent="0">
-              <a:buNone/>
-              <a:defRPr sz="960" b="1"/>
+            <a:lvl6pPr marL="1303020" indent="0">
+              <a:buNone/>
+              <a:defRPr sz="912" b="1"/>
             </a:lvl6pPr>
-            <a:lvl7pPr marL="1645920" indent="0">
-              <a:buNone/>
-              <a:defRPr sz="960" b="1"/>
+            <a:lvl7pPr marL="1563624" indent="0">
+              <a:buNone/>
+              <a:defRPr sz="912" b="1"/>
             </a:lvl7pPr>
-            <a:lvl8pPr marL="1920240" indent="0">
-              <a:buNone/>
-              <a:defRPr sz="960" b="1"/>
+            <a:lvl8pPr marL="1824228" indent="0">
+              <a:buNone/>
+              <a:defRPr sz="912" b="1"/>
             </a:lvl8pPr>
-            <a:lvl9pPr marL="2194560" indent="0">
-              <a:buNone/>
-              <a:defRPr sz="960" b="1"/>
+            <a:lvl9pPr marL="2084832" indent="0">
+              <a:buNone/>
+              <a:defRPr sz="912" b="1"/>
             </a:lvl9pPr>
           </a:lstStyle>
           <a:p>
@@ -1434,8 +1434,8 @@
         </p:nvSpPr>
         <p:spPr>
           <a:xfrm>
-            <a:off x="377905" y="2070746"/>
-            <a:ext cx="2321004" cy="3045756"/>
+            <a:off x="358988" y="2070746"/>
+            <a:ext cx="2204820" cy="3045756"/>
           </a:xfrm>
         </p:spPr>
         <p:txBody>
@@ -1491,8 +1491,8 @@
         </p:nvSpPr>
         <p:spPr>
           <a:xfrm>
-            <a:off x="2777490" y="1389683"/>
-            <a:ext cx="2332435" cy="681063"/>
+            <a:off x="2638455" y="1389683"/>
+            <a:ext cx="2215678" cy="681063"/>
           </a:xfrm>
         </p:spPr>
         <p:txBody>
@@ -1500,39 +1500,39 @@
           <a:lstStyle>
             <a:lvl1pPr marL="0" indent="0">
               <a:buNone/>
-              <a:defRPr sz="1440" b="1"/>
+              <a:defRPr sz="1368" b="1"/>
             </a:lvl1pPr>
-            <a:lvl2pPr marL="274320" indent="0">
-              <a:buNone/>
-              <a:defRPr sz="1200" b="1"/>
+            <a:lvl2pPr marL="260604" indent="0">
+              <a:buNone/>
+              <a:defRPr sz="1140" b="1"/>
             </a:lvl2pPr>
-            <a:lvl3pPr marL="548640" indent="0">
-              <a:buNone/>
-              <a:defRPr sz="1080" b="1"/>
+            <a:lvl3pPr marL="521208" indent="0">
+              <a:buNone/>
+              <a:defRPr sz="1026" b="1"/>
             </a:lvl3pPr>
-            <a:lvl4pPr marL="822960" indent="0">
-              <a:buNone/>
-              <a:defRPr sz="960" b="1"/>
+            <a:lvl4pPr marL="781812" indent="0">
+              <a:buNone/>
+              <a:defRPr sz="912" b="1"/>
             </a:lvl4pPr>
-            <a:lvl5pPr marL="1097280" indent="0">
-              <a:buNone/>
-              <a:defRPr sz="960" b="1"/>
+            <a:lvl5pPr marL="1042416" indent="0">
+              <a:buNone/>
+              <a:defRPr sz="912" b="1"/>
             </a:lvl5pPr>
-            <a:lvl6pPr marL="1371600" indent="0">
-              <a:buNone/>
-              <a:defRPr sz="960" b="1"/>
+            <a:lvl6pPr marL="1303020" indent="0">
+              <a:buNone/>
+              <a:defRPr sz="912" b="1"/>
             </a:lvl6pPr>
-            <a:lvl7pPr marL="1645920" indent="0">
-              <a:buNone/>
-              <a:defRPr sz="960" b="1"/>
+            <a:lvl7pPr marL="1563624" indent="0">
+              <a:buNone/>
+              <a:defRPr sz="912" b="1"/>
             </a:lvl7pPr>
-            <a:lvl8pPr marL="1920240" indent="0">
-              <a:buNone/>
-              <a:defRPr sz="960" b="1"/>
+            <a:lvl8pPr marL="1824228" indent="0">
+              <a:buNone/>
+              <a:defRPr sz="912" b="1"/>
             </a:lvl8pPr>
-            <a:lvl9pPr marL="2194560" indent="0">
-              <a:buNone/>
-              <a:defRPr sz="960" b="1"/>
+            <a:lvl9pPr marL="2084832" indent="0">
+              <a:buNone/>
+              <a:defRPr sz="912" b="1"/>
             </a:lvl9pPr>
           </a:lstStyle>
           <a:p>
@@ -1556,8 +1556,8 @@
         </p:nvSpPr>
         <p:spPr>
           <a:xfrm>
-            <a:off x="2777490" y="2070746"/>
-            <a:ext cx="2332435" cy="3045756"/>
+            <a:off x="2638455" y="2070746"/>
+            <a:ext cx="2215678" cy="3045756"/>
           </a:xfrm>
         </p:spPr>
         <p:txBody>
@@ -1618,7 +1618,7 @@
           <a:p>
             <a:fld id="{45DBF83F-55E3-4167-A17D-7A8D9E494F19}" type="datetimeFigureOut">
               <a:rPr lang="en-US" smtClean="0"/>
-              <a:t>3/17/2022</a:t>
+              <a:t>3/25/2022</a:t>
             </a:fld>
             <a:endParaRPr lang="en-US"/>
           </a:p>
@@ -1669,7 +1669,7 @@
     </p:spTree>
     <p:extLst>
       <p:ext uri="{BB962C8B-B14F-4D97-AF65-F5344CB8AC3E}">
-        <p14:creationId xmlns:p14="http://schemas.microsoft.com/office/powerpoint/2010/main" val="3047023788"/>
+        <p14:creationId xmlns:p14="http://schemas.microsoft.com/office/powerpoint/2010/main" val="1771535019"/>
       </p:ext>
     </p:extLst>
   </p:cSld>
@@ -1736,7 +1736,7 @@
           <a:p>
             <a:fld id="{45DBF83F-55E3-4167-A17D-7A8D9E494F19}" type="datetimeFigureOut">
               <a:rPr lang="en-US" smtClean="0"/>
-              <a:t>3/17/2022</a:t>
+              <a:t>3/25/2022</a:t>
             </a:fld>
             <a:endParaRPr lang="en-US"/>
           </a:p>
@@ -1787,7 +1787,7 @@
     </p:spTree>
     <p:extLst>
       <p:ext uri="{BB962C8B-B14F-4D97-AF65-F5344CB8AC3E}">
-        <p14:creationId xmlns:p14="http://schemas.microsoft.com/office/powerpoint/2010/main" val="1716525211"/>
+        <p14:creationId xmlns:p14="http://schemas.microsoft.com/office/powerpoint/2010/main" val="1302869401"/>
       </p:ext>
     </p:extLst>
   </p:cSld>
@@ -1831,7 +1831,7 @@
           <a:p>
             <a:fld id="{45DBF83F-55E3-4167-A17D-7A8D9E494F19}" type="datetimeFigureOut">
               <a:rPr lang="en-US" smtClean="0"/>
-              <a:t>3/17/2022</a:t>
+              <a:t>3/25/2022</a:t>
             </a:fld>
             <a:endParaRPr lang="en-US"/>
           </a:p>
@@ -1882,7 +1882,7 @@
     </p:spTree>
     <p:extLst>
       <p:ext uri="{BB962C8B-B14F-4D97-AF65-F5344CB8AC3E}">
-        <p14:creationId xmlns:p14="http://schemas.microsoft.com/office/powerpoint/2010/main" val="3846589042"/>
+        <p14:creationId xmlns:p14="http://schemas.microsoft.com/office/powerpoint/2010/main" val="3703113925"/>
       </p:ext>
     </p:extLst>
   </p:cSld>
@@ -1921,15 +1921,15 @@
         </p:nvSpPr>
         <p:spPr>
           <a:xfrm>
-            <a:off x="377905" y="377931"/>
-            <a:ext cx="1769507" cy="1322758"/>
+            <a:off x="358988" y="377931"/>
+            <a:ext cx="1680929" cy="1322758"/>
           </a:xfrm>
         </p:spPr>
         <p:txBody>
           <a:bodyPr anchor="b"/>
           <a:lstStyle>
             <a:lvl1pPr>
-              <a:defRPr sz="1920"/>
+              <a:defRPr sz="1824"/>
             </a:lvl1pPr>
           </a:lstStyle>
           <a:p>
@@ -1953,39 +1953,39 @@
         </p:nvSpPr>
         <p:spPr>
           <a:xfrm>
-            <a:off x="2332435" y="816227"/>
-            <a:ext cx="2777490" cy="4028638"/>
+            <a:off x="2215678" y="816227"/>
+            <a:ext cx="2638455" cy="4028638"/>
           </a:xfrm>
         </p:spPr>
         <p:txBody>
           <a:bodyPr/>
           <a:lstStyle>
             <a:lvl1pPr>
-              <a:defRPr sz="1920"/>
+              <a:defRPr sz="1824"/>
             </a:lvl1pPr>
             <a:lvl2pPr>
-              <a:defRPr sz="1680"/>
+              <a:defRPr sz="1596"/>
             </a:lvl2pPr>
             <a:lvl3pPr>
-              <a:defRPr sz="1440"/>
+              <a:defRPr sz="1368"/>
             </a:lvl3pPr>
             <a:lvl4pPr>
-              <a:defRPr sz="1200"/>
+              <a:defRPr sz="1140"/>
             </a:lvl4pPr>
             <a:lvl5pPr>
-              <a:defRPr sz="1200"/>
+              <a:defRPr sz="1140"/>
             </a:lvl5pPr>
             <a:lvl6pPr>
-              <a:defRPr sz="1200"/>
+              <a:defRPr sz="1140"/>
             </a:lvl6pPr>
             <a:lvl7pPr>
-              <a:defRPr sz="1200"/>
+              <a:defRPr sz="1140"/>
             </a:lvl7pPr>
             <a:lvl8pPr>
-              <a:defRPr sz="1200"/>
+              <a:defRPr sz="1140"/>
             </a:lvl8pPr>
             <a:lvl9pPr>
-              <a:defRPr sz="1200"/>
+              <a:defRPr sz="1140"/>
             </a:lvl9pPr>
           </a:lstStyle>
           <a:p>
@@ -2038,8 +2038,8 @@
         </p:nvSpPr>
         <p:spPr>
           <a:xfrm>
-            <a:off x="377905" y="1700689"/>
-            <a:ext cx="1769507" cy="3150737"/>
+            <a:off x="358988" y="1700689"/>
+            <a:ext cx="1680929" cy="3150737"/>
           </a:xfrm>
         </p:spPr>
         <p:txBody>
@@ -2047,39 +2047,39 @@
           <a:lstStyle>
             <a:lvl1pPr marL="0" indent="0">
               <a:buNone/>
-              <a:defRPr sz="960"/>
+              <a:defRPr sz="912"/>
             </a:lvl1pPr>
-            <a:lvl2pPr marL="274320" indent="0">
-              <a:buNone/>
-              <a:defRPr sz="840"/>
+            <a:lvl2pPr marL="260604" indent="0">
+              <a:buNone/>
+              <a:defRPr sz="798"/>
             </a:lvl2pPr>
-            <a:lvl3pPr marL="548640" indent="0">
-              <a:buNone/>
-              <a:defRPr sz="720"/>
+            <a:lvl3pPr marL="521208" indent="0">
+              <a:buNone/>
+              <a:defRPr sz="684"/>
             </a:lvl3pPr>
-            <a:lvl4pPr marL="822960" indent="0">
-              <a:buNone/>
-              <a:defRPr sz="600"/>
+            <a:lvl4pPr marL="781812" indent="0">
+              <a:buNone/>
+              <a:defRPr sz="570"/>
             </a:lvl4pPr>
-            <a:lvl5pPr marL="1097280" indent="0">
-              <a:buNone/>
-              <a:defRPr sz="600"/>
+            <a:lvl5pPr marL="1042416" indent="0">
+              <a:buNone/>
+              <a:defRPr sz="570"/>
             </a:lvl5pPr>
-            <a:lvl6pPr marL="1371600" indent="0">
-              <a:buNone/>
-              <a:defRPr sz="600"/>
+            <a:lvl6pPr marL="1303020" indent="0">
+              <a:buNone/>
+              <a:defRPr sz="570"/>
             </a:lvl6pPr>
-            <a:lvl7pPr marL="1645920" indent="0">
-              <a:buNone/>
-              <a:defRPr sz="600"/>
+            <a:lvl7pPr marL="1563624" indent="0">
+              <a:buNone/>
+              <a:defRPr sz="570"/>
             </a:lvl7pPr>
-            <a:lvl8pPr marL="1920240" indent="0">
-              <a:buNone/>
-              <a:defRPr sz="600"/>
+            <a:lvl8pPr marL="1824228" indent="0">
+              <a:buNone/>
+              <a:defRPr sz="570"/>
             </a:lvl8pPr>
-            <a:lvl9pPr marL="2194560" indent="0">
-              <a:buNone/>
-              <a:defRPr sz="600"/>
+            <a:lvl9pPr marL="2084832" indent="0">
+              <a:buNone/>
+              <a:defRPr sz="570"/>
             </a:lvl9pPr>
           </a:lstStyle>
           <a:p>
@@ -2108,7 +2108,7 @@
           <a:p>
             <a:fld id="{45DBF83F-55E3-4167-A17D-7A8D9E494F19}" type="datetimeFigureOut">
               <a:rPr lang="en-US" smtClean="0"/>
-              <a:t>3/17/2022</a:t>
+              <a:t>3/25/2022</a:t>
             </a:fld>
             <a:endParaRPr lang="en-US"/>
           </a:p>
@@ -2159,7 +2159,7 @@
     </p:spTree>
     <p:extLst>
       <p:ext uri="{BB962C8B-B14F-4D97-AF65-F5344CB8AC3E}">
-        <p14:creationId xmlns:p14="http://schemas.microsoft.com/office/powerpoint/2010/main" val="1376246437"/>
+        <p14:creationId xmlns:p14="http://schemas.microsoft.com/office/powerpoint/2010/main" val="1726007284"/>
       </p:ext>
     </p:extLst>
   </p:cSld>
@@ -2198,15 +2198,15 @@
         </p:nvSpPr>
         <p:spPr>
           <a:xfrm>
-            <a:off x="377905" y="377931"/>
-            <a:ext cx="1769507" cy="1322758"/>
+            <a:off x="358988" y="377931"/>
+            <a:ext cx="1680929" cy="1322758"/>
           </a:xfrm>
         </p:spPr>
         <p:txBody>
           <a:bodyPr anchor="b"/>
           <a:lstStyle>
             <a:lvl1pPr>
-              <a:defRPr sz="1920"/>
+              <a:defRPr sz="1824"/>
             </a:lvl1pPr>
           </a:lstStyle>
           <a:p>
@@ -2230,8 +2230,8 @@
         </p:nvSpPr>
         <p:spPr>
           <a:xfrm>
-            <a:off x="2332435" y="816227"/>
-            <a:ext cx="2777490" cy="4028638"/>
+            <a:off x="2215678" y="816227"/>
+            <a:ext cx="2638455" cy="4028638"/>
           </a:xfrm>
         </p:spPr>
         <p:txBody>
@@ -2239,39 +2239,39 @@
           <a:lstStyle>
             <a:lvl1pPr marL="0" indent="0">
               <a:buNone/>
-              <a:defRPr sz="1920"/>
+              <a:defRPr sz="1824"/>
             </a:lvl1pPr>
-            <a:lvl2pPr marL="274320" indent="0">
-              <a:buNone/>
-              <a:defRPr sz="1680"/>
+            <a:lvl2pPr marL="260604" indent="0">
+              <a:buNone/>
+              <a:defRPr sz="1596"/>
             </a:lvl2pPr>
-            <a:lvl3pPr marL="548640" indent="0">
-              <a:buNone/>
-              <a:defRPr sz="1440"/>
+            <a:lvl3pPr marL="521208" indent="0">
+              <a:buNone/>
+              <a:defRPr sz="1368"/>
             </a:lvl3pPr>
-            <a:lvl4pPr marL="822960" indent="0">
-              <a:buNone/>
-              <a:defRPr sz="1200"/>
+            <a:lvl4pPr marL="781812" indent="0">
+              <a:buNone/>
+              <a:defRPr sz="1140"/>
             </a:lvl4pPr>
-            <a:lvl5pPr marL="1097280" indent="0">
-              <a:buNone/>
-              <a:defRPr sz="1200"/>
+            <a:lvl5pPr marL="1042416" indent="0">
+              <a:buNone/>
+              <a:defRPr sz="1140"/>
             </a:lvl5pPr>
-            <a:lvl6pPr marL="1371600" indent="0">
-              <a:buNone/>
-              <a:defRPr sz="1200"/>
+            <a:lvl6pPr marL="1303020" indent="0">
+              <a:buNone/>
+              <a:defRPr sz="1140"/>
             </a:lvl6pPr>
-            <a:lvl7pPr marL="1645920" indent="0">
-              <a:buNone/>
-              <a:defRPr sz="1200"/>
+            <a:lvl7pPr marL="1563624" indent="0">
+              <a:buNone/>
+              <a:defRPr sz="1140"/>
             </a:lvl7pPr>
-            <a:lvl8pPr marL="1920240" indent="0">
-              <a:buNone/>
-              <a:defRPr sz="1200"/>
+            <a:lvl8pPr marL="1824228" indent="0">
+              <a:buNone/>
+              <a:defRPr sz="1140"/>
             </a:lvl8pPr>
-            <a:lvl9pPr marL="2194560" indent="0">
-              <a:buNone/>
-              <a:defRPr sz="1200"/>
+            <a:lvl9pPr marL="2084832" indent="0">
+              <a:buNone/>
+              <a:defRPr sz="1140"/>
             </a:lvl9pPr>
           </a:lstStyle>
           <a:p>
@@ -2295,8 +2295,8 @@
         </p:nvSpPr>
         <p:spPr>
           <a:xfrm>
-            <a:off x="377905" y="1700689"/>
-            <a:ext cx="1769507" cy="3150737"/>
+            <a:off x="358988" y="1700689"/>
+            <a:ext cx="1680929" cy="3150737"/>
           </a:xfrm>
         </p:spPr>
         <p:txBody>
@@ -2304,39 +2304,39 @@
           <a:lstStyle>
             <a:lvl1pPr marL="0" indent="0">
               <a:buNone/>
-              <a:defRPr sz="960"/>
+              <a:defRPr sz="912"/>
             </a:lvl1pPr>
-            <a:lvl2pPr marL="274320" indent="0">
-              <a:buNone/>
-              <a:defRPr sz="840"/>
+            <a:lvl2pPr marL="260604" indent="0">
+              <a:buNone/>
+              <a:defRPr sz="798"/>
             </a:lvl2pPr>
-            <a:lvl3pPr marL="548640" indent="0">
-              <a:buNone/>
-              <a:defRPr sz="720"/>
+            <a:lvl3pPr marL="521208" indent="0">
+              <a:buNone/>
+              <a:defRPr sz="684"/>
             </a:lvl3pPr>
-            <a:lvl4pPr marL="822960" indent="0">
-              <a:buNone/>
-              <a:defRPr sz="600"/>
+            <a:lvl4pPr marL="781812" indent="0">
+              <a:buNone/>
+              <a:defRPr sz="570"/>
             </a:lvl4pPr>
-            <a:lvl5pPr marL="1097280" indent="0">
-              <a:buNone/>
-              <a:defRPr sz="600"/>
+            <a:lvl5pPr marL="1042416" indent="0">
+              <a:buNone/>
+              <a:defRPr sz="570"/>
             </a:lvl5pPr>
-            <a:lvl6pPr marL="1371600" indent="0">
-              <a:buNone/>
-              <a:defRPr sz="600"/>
+            <a:lvl6pPr marL="1303020" indent="0">
+              <a:buNone/>
+              <a:defRPr sz="570"/>
             </a:lvl6pPr>
-            <a:lvl7pPr marL="1645920" indent="0">
-              <a:buNone/>
-              <a:defRPr sz="600"/>
+            <a:lvl7pPr marL="1563624" indent="0">
+              <a:buNone/>
+              <a:defRPr sz="570"/>
             </a:lvl7pPr>
-            <a:lvl8pPr marL="1920240" indent="0">
-              <a:buNone/>
-              <a:defRPr sz="600"/>
+            <a:lvl8pPr marL="1824228" indent="0">
+              <a:buNone/>
+              <a:defRPr sz="570"/>
             </a:lvl8pPr>
-            <a:lvl9pPr marL="2194560" indent="0">
-              <a:buNone/>
-              <a:defRPr sz="600"/>
+            <a:lvl9pPr marL="2084832" indent="0">
+              <a:buNone/>
+              <a:defRPr sz="570"/>
             </a:lvl9pPr>
           </a:lstStyle>
           <a:p>
@@ -2365,7 +2365,7 @@
           <a:p>
             <a:fld id="{45DBF83F-55E3-4167-A17D-7A8D9E494F19}" type="datetimeFigureOut">
               <a:rPr lang="en-US" smtClean="0"/>
-              <a:t>3/17/2022</a:t>
+              <a:t>3/25/2022</a:t>
             </a:fld>
             <a:endParaRPr lang="en-US"/>
           </a:p>
@@ -2416,7 +2416,7 @@
     </p:spTree>
     <p:extLst>
       <p:ext uri="{BB962C8B-B14F-4D97-AF65-F5344CB8AC3E}">
-        <p14:creationId xmlns:p14="http://schemas.microsoft.com/office/powerpoint/2010/main" val="2582712044"/>
+        <p14:creationId xmlns:p14="http://schemas.microsoft.com/office/powerpoint/2010/main" val="2012548385"/>
       </p:ext>
     </p:extLst>
   </p:cSld>
@@ -2460,8 +2460,8 @@
         </p:nvSpPr>
         <p:spPr>
           <a:xfrm>
-            <a:off x="377190" y="301821"/>
-            <a:ext cx="4732020" cy="1095737"/>
+            <a:off x="358309" y="301821"/>
+            <a:ext cx="4495146" cy="1095737"/>
           </a:xfrm>
           <a:prstGeom prst="rect">
             <a:avLst/>
@@ -2493,8 +2493,8 @@
         </p:nvSpPr>
         <p:spPr>
           <a:xfrm>
-            <a:off x="377190" y="1509099"/>
-            <a:ext cx="4732020" cy="3596905"/>
+            <a:off x="358309" y="1509099"/>
+            <a:ext cx="4495146" cy="3596905"/>
           </a:xfrm>
           <a:prstGeom prst="rect">
             <a:avLst/>
@@ -2555,8 +2555,8 @@
         </p:nvSpPr>
         <p:spPr>
           <a:xfrm>
-            <a:off x="377190" y="5254290"/>
-            <a:ext cx="1234440" cy="301820"/>
+            <a:off x="358309" y="5254290"/>
+            <a:ext cx="1172647" cy="301820"/>
           </a:xfrm>
           <a:prstGeom prst="rect">
             <a:avLst/>
@@ -2566,7 +2566,7 @@
           <a:bodyPr vert="horz" lIns="91440" tIns="45720" rIns="91440" bIns="45720" rtlCol="0" anchor="ctr"/>
           <a:lstStyle>
             <a:lvl1pPr algn="l">
-              <a:defRPr sz="720">
+              <a:defRPr sz="684">
                 <a:solidFill>
                   <a:schemeClr val="tx1">
                     <a:tint val="75000"/>
@@ -2578,7 +2578,7 @@
           <a:p>
             <a:fld id="{45DBF83F-55E3-4167-A17D-7A8D9E494F19}" type="datetimeFigureOut">
               <a:rPr lang="en-US" smtClean="0"/>
-              <a:t>3/17/2022</a:t>
+              <a:t>3/25/2022</a:t>
             </a:fld>
             <a:endParaRPr lang="en-US"/>
           </a:p>
@@ -2596,8 +2596,8 @@
         </p:nvSpPr>
         <p:spPr>
           <a:xfrm>
-            <a:off x="1817370" y="5254290"/>
-            <a:ext cx="1851660" cy="301820"/>
+            <a:off x="1726397" y="5254290"/>
+            <a:ext cx="1758970" cy="301820"/>
           </a:xfrm>
           <a:prstGeom prst="rect">
             <a:avLst/>
@@ -2607,7 +2607,7 @@
           <a:bodyPr vert="horz" lIns="91440" tIns="45720" rIns="91440" bIns="45720" rtlCol="0" anchor="ctr"/>
           <a:lstStyle>
             <a:lvl1pPr algn="ctr">
-              <a:defRPr sz="720">
+              <a:defRPr sz="684">
                 <a:solidFill>
                   <a:schemeClr val="tx1">
                     <a:tint val="75000"/>
@@ -2633,8 +2633,8 @@
         </p:nvSpPr>
         <p:spPr>
           <a:xfrm>
-            <a:off x="3874770" y="5254290"/>
-            <a:ext cx="1234440" cy="301820"/>
+            <a:off x="3680807" y="5254290"/>
+            <a:ext cx="1172647" cy="301820"/>
           </a:xfrm>
           <a:prstGeom prst="rect">
             <a:avLst/>
@@ -2644,7 +2644,7 @@
           <a:bodyPr vert="horz" lIns="91440" tIns="45720" rIns="91440" bIns="45720" rtlCol="0" anchor="ctr"/>
           <a:lstStyle>
             <a:lvl1pPr algn="r">
-              <a:defRPr sz="720">
+              <a:defRPr sz="684">
                 <a:solidFill>
                   <a:schemeClr val="tx1">
                     <a:tint val="75000"/>
@@ -2665,27 +2665,27 @@
     </p:spTree>
     <p:extLst>
       <p:ext uri="{BB962C8B-B14F-4D97-AF65-F5344CB8AC3E}">
-        <p14:creationId xmlns:p14="http://schemas.microsoft.com/office/powerpoint/2010/main" val="727482774"/>
+        <p14:creationId xmlns:p14="http://schemas.microsoft.com/office/powerpoint/2010/main" val="3214550128"/>
       </p:ext>
     </p:extLst>
   </p:cSld>
   <p:clrMap bg1="lt1" tx1="dk1" bg2="lt2" tx2="dk2" accent1="accent1" accent2="accent2" accent3="accent3" accent4="accent4" accent5="accent5" accent6="accent6" hlink="hlink" folHlink="folHlink"/>
   <p:sldLayoutIdLst>
-    <p:sldLayoutId id="2147483769" r:id="rId1"/>
-    <p:sldLayoutId id="2147483770" r:id="rId2"/>
-    <p:sldLayoutId id="2147483771" r:id="rId3"/>
-    <p:sldLayoutId id="2147483772" r:id="rId4"/>
-    <p:sldLayoutId id="2147483773" r:id="rId5"/>
-    <p:sldLayoutId id="2147483774" r:id="rId6"/>
-    <p:sldLayoutId id="2147483775" r:id="rId7"/>
-    <p:sldLayoutId id="2147483776" r:id="rId8"/>
-    <p:sldLayoutId id="2147483777" r:id="rId9"/>
-    <p:sldLayoutId id="2147483778" r:id="rId10"/>
-    <p:sldLayoutId id="2147483779" r:id="rId11"/>
+    <p:sldLayoutId id="2147483781" r:id="rId1"/>
+    <p:sldLayoutId id="2147483782" r:id="rId2"/>
+    <p:sldLayoutId id="2147483783" r:id="rId3"/>
+    <p:sldLayoutId id="2147483784" r:id="rId4"/>
+    <p:sldLayoutId id="2147483785" r:id="rId5"/>
+    <p:sldLayoutId id="2147483786" r:id="rId6"/>
+    <p:sldLayoutId id="2147483787" r:id="rId7"/>
+    <p:sldLayoutId id="2147483788" r:id="rId8"/>
+    <p:sldLayoutId id="2147483789" r:id="rId9"/>
+    <p:sldLayoutId id="2147483790" r:id="rId10"/>
+    <p:sldLayoutId id="2147483791" r:id="rId11"/>
   </p:sldLayoutIdLst>
   <p:txStyles>
     <p:titleStyle>
-      <a:lvl1pPr algn="l" defTabSz="548640" rtl="0" eaLnBrk="1" latinLnBrk="0" hangingPunct="1">
+      <a:lvl1pPr algn="l" defTabSz="521208" rtl="0" eaLnBrk="1" latinLnBrk="0" hangingPunct="1">
         <a:lnSpc>
           <a:spcPct val="90000"/>
         </a:lnSpc>
@@ -2693,7 +2693,7 @@
           <a:spcPct val="0"/>
         </a:spcBef>
         <a:buNone/>
-        <a:defRPr sz="2640" kern="1200">
+        <a:defRPr sz="2508" kern="1200">
           <a:solidFill>
             <a:schemeClr val="tx1"/>
           </a:solidFill>
@@ -2704,16 +2704,16 @@
       </a:lvl1pPr>
     </p:titleStyle>
     <p:bodyStyle>
-      <a:lvl1pPr marL="137160" indent="-137160" algn="l" defTabSz="548640" rtl="0" eaLnBrk="1" latinLnBrk="0" hangingPunct="1">
+      <a:lvl1pPr marL="130302" indent="-130302" algn="l" defTabSz="521208" rtl="0" eaLnBrk="1" latinLnBrk="0" hangingPunct="1">
         <a:lnSpc>
           <a:spcPct val="90000"/>
         </a:lnSpc>
         <a:spcBef>
-          <a:spcPts val="600"/>
+          <a:spcPts val="570"/>
         </a:spcBef>
         <a:buFont typeface="Arial" panose="020B0604020202020204" pitchFamily="34" charset="0"/>
         <a:buChar char="•"/>
-        <a:defRPr sz="1680" kern="1200">
+        <a:defRPr sz="1596" kern="1200">
           <a:solidFill>
             <a:schemeClr val="tx1"/>
           </a:solidFill>
@@ -2722,16 +2722,16 @@
           <a:cs typeface="+mn-cs"/>
         </a:defRPr>
       </a:lvl1pPr>
-      <a:lvl2pPr marL="411480" indent="-137160" algn="l" defTabSz="548640" rtl="0" eaLnBrk="1" latinLnBrk="0" hangingPunct="1">
+      <a:lvl2pPr marL="390906" indent="-130302" algn="l" defTabSz="521208" rtl="0" eaLnBrk="1" latinLnBrk="0" hangingPunct="1">
         <a:lnSpc>
           <a:spcPct val="90000"/>
         </a:lnSpc>
         <a:spcBef>
-          <a:spcPts val="300"/>
+          <a:spcPts val="285"/>
         </a:spcBef>
         <a:buFont typeface="Arial" panose="020B0604020202020204" pitchFamily="34" charset="0"/>
         <a:buChar char="•"/>
-        <a:defRPr sz="1440" kern="1200">
+        <a:defRPr sz="1368" kern="1200">
           <a:solidFill>
             <a:schemeClr val="tx1"/>
           </a:solidFill>
@@ -2740,16 +2740,16 @@
           <a:cs typeface="+mn-cs"/>
         </a:defRPr>
       </a:lvl2pPr>
-      <a:lvl3pPr marL="685800" indent="-137160" algn="l" defTabSz="548640" rtl="0" eaLnBrk="1" latinLnBrk="0" hangingPunct="1">
+      <a:lvl3pPr marL="651510" indent="-130302" algn="l" defTabSz="521208" rtl="0" eaLnBrk="1" latinLnBrk="0" hangingPunct="1">
         <a:lnSpc>
           <a:spcPct val="90000"/>
         </a:lnSpc>
         <a:spcBef>
-          <a:spcPts val="300"/>
+          <a:spcPts val="285"/>
         </a:spcBef>
         <a:buFont typeface="Arial" panose="020B0604020202020204" pitchFamily="34" charset="0"/>
         <a:buChar char="•"/>
-        <a:defRPr sz="1200" kern="1200">
+        <a:defRPr sz="1140" kern="1200">
           <a:solidFill>
             <a:schemeClr val="tx1"/>
           </a:solidFill>
@@ -2758,16 +2758,16 @@
           <a:cs typeface="+mn-cs"/>
         </a:defRPr>
       </a:lvl3pPr>
-      <a:lvl4pPr marL="960120" indent="-137160" algn="l" defTabSz="548640" rtl="0" eaLnBrk="1" latinLnBrk="0" hangingPunct="1">
+      <a:lvl4pPr marL="912114" indent="-130302" algn="l" defTabSz="521208" rtl="0" eaLnBrk="1" latinLnBrk="0" hangingPunct="1">
         <a:lnSpc>
           <a:spcPct val="90000"/>
         </a:lnSpc>
         <a:spcBef>
-          <a:spcPts val="300"/>
+          <a:spcPts val="285"/>
         </a:spcBef>
         <a:buFont typeface="Arial" panose="020B0604020202020204" pitchFamily="34" charset="0"/>
         <a:buChar char="•"/>
-        <a:defRPr sz="1080" kern="1200">
+        <a:defRPr sz="1026" kern="1200">
           <a:solidFill>
             <a:schemeClr val="tx1"/>
           </a:solidFill>
@@ -2776,16 +2776,16 @@
           <a:cs typeface="+mn-cs"/>
         </a:defRPr>
       </a:lvl4pPr>
-      <a:lvl5pPr marL="1234440" indent="-137160" algn="l" defTabSz="548640" rtl="0" eaLnBrk="1" latinLnBrk="0" hangingPunct="1">
+      <a:lvl5pPr marL="1172718" indent="-130302" algn="l" defTabSz="521208" rtl="0" eaLnBrk="1" latinLnBrk="0" hangingPunct="1">
         <a:lnSpc>
           <a:spcPct val="90000"/>
         </a:lnSpc>
         <a:spcBef>
-          <a:spcPts val="300"/>
+          <a:spcPts val="285"/>
         </a:spcBef>
         <a:buFont typeface="Arial" panose="020B0604020202020204" pitchFamily="34" charset="0"/>
         <a:buChar char="•"/>
-        <a:defRPr sz="1080" kern="1200">
+        <a:defRPr sz="1026" kern="1200">
           <a:solidFill>
             <a:schemeClr val="tx1"/>
           </a:solidFill>
@@ -2794,16 +2794,16 @@
           <a:cs typeface="+mn-cs"/>
         </a:defRPr>
       </a:lvl5pPr>
-      <a:lvl6pPr marL="1508760" indent="-137160" algn="l" defTabSz="548640" rtl="0" eaLnBrk="1" latinLnBrk="0" hangingPunct="1">
+      <a:lvl6pPr marL="1433322" indent="-130302" algn="l" defTabSz="521208" rtl="0" eaLnBrk="1" latinLnBrk="0" hangingPunct="1">
         <a:lnSpc>
           <a:spcPct val="90000"/>
         </a:lnSpc>
         <a:spcBef>
-          <a:spcPts val="300"/>
+          <a:spcPts val="285"/>
         </a:spcBef>
         <a:buFont typeface="Arial" panose="020B0604020202020204" pitchFamily="34" charset="0"/>
         <a:buChar char="•"/>
-        <a:defRPr sz="1080" kern="1200">
+        <a:defRPr sz="1026" kern="1200">
           <a:solidFill>
             <a:schemeClr val="tx1"/>
           </a:solidFill>
@@ -2812,16 +2812,16 @@
           <a:cs typeface="+mn-cs"/>
         </a:defRPr>
       </a:lvl6pPr>
-      <a:lvl7pPr marL="1783080" indent="-137160" algn="l" defTabSz="548640" rtl="0" eaLnBrk="1" latinLnBrk="0" hangingPunct="1">
+      <a:lvl7pPr marL="1693926" indent="-130302" algn="l" defTabSz="521208" rtl="0" eaLnBrk="1" latinLnBrk="0" hangingPunct="1">
         <a:lnSpc>
           <a:spcPct val="90000"/>
         </a:lnSpc>
         <a:spcBef>
-          <a:spcPts val="300"/>
+          <a:spcPts val="285"/>
         </a:spcBef>
         <a:buFont typeface="Arial" panose="020B0604020202020204" pitchFamily="34" charset="0"/>
         <a:buChar char="•"/>
-        <a:defRPr sz="1080" kern="1200">
+        <a:defRPr sz="1026" kern="1200">
           <a:solidFill>
             <a:schemeClr val="tx1"/>
           </a:solidFill>
@@ -2830,16 +2830,16 @@
           <a:cs typeface="+mn-cs"/>
         </a:defRPr>
       </a:lvl7pPr>
-      <a:lvl8pPr marL="2057400" indent="-137160" algn="l" defTabSz="548640" rtl="0" eaLnBrk="1" latinLnBrk="0" hangingPunct="1">
+      <a:lvl8pPr marL="1954530" indent="-130302" algn="l" defTabSz="521208" rtl="0" eaLnBrk="1" latinLnBrk="0" hangingPunct="1">
         <a:lnSpc>
           <a:spcPct val="90000"/>
         </a:lnSpc>
         <a:spcBef>
-          <a:spcPts val="300"/>
+          <a:spcPts val="285"/>
         </a:spcBef>
         <a:buFont typeface="Arial" panose="020B0604020202020204" pitchFamily="34" charset="0"/>
         <a:buChar char="•"/>
-        <a:defRPr sz="1080" kern="1200">
+        <a:defRPr sz="1026" kern="1200">
           <a:solidFill>
             <a:schemeClr val="tx1"/>
           </a:solidFill>
@@ -2848,16 +2848,16 @@
           <a:cs typeface="+mn-cs"/>
         </a:defRPr>
       </a:lvl8pPr>
-      <a:lvl9pPr marL="2331720" indent="-137160" algn="l" defTabSz="548640" rtl="0" eaLnBrk="1" latinLnBrk="0" hangingPunct="1">
+      <a:lvl9pPr marL="2215134" indent="-130302" algn="l" defTabSz="521208" rtl="0" eaLnBrk="1" latinLnBrk="0" hangingPunct="1">
         <a:lnSpc>
           <a:spcPct val="90000"/>
         </a:lnSpc>
         <a:spcBef>
-          <a:spcPts val="300"/>
+          <a:spcPts val="285"/>
         </a:spcBef>
         <a:buFont typeface="Arial" panose="020B0604020202020204" pitchFamily="34" charset="0"/>
         <a:buChar char="•"/>
-        <a:defRPr sz="1080" kern="1200">
+        <a:defRPr sz="1026" kern="1200">
           <a:solidFill>
             <a:schemeClr val="tx1"/>
           </a:solidFill>
@@ -2871,8 +2871,8 @@
       <a:defPPr>
         <a:defRPr lang="en-US"/>
       </a:defPPr>
-      <a:lvl1pPr marL="0" algn="l" defTabSz="548640" rtl="0" eaLnBrk="1" latinLnBrk="0" hangingPunct="1">
-        <a:defRPr sz="1080" kern="1200">
+      <a:lvl1pPr marL="0" algn="l" defTabSz="521208" rtl="0" eaLnBrk="1" latinLnBrk="0" hangingPunct="1">
+        <a:defRPr sz="1026" kern="1200">
           <a:solidFill>
             <a:schemeClr val="tx1"/>
           </a:solidFill>
@@ -2881,8 +2881,8 @@
           <a:cs typeface="+mn-cs"/>
         </a:defRPr>
       </a:lvl1pPr>
-      <a:lvl2pPr marL="274320" algn="l" defTabSz="548640" rtl="0" eaLnBrk="1" latinLnBrk="0" hangingPunct="1">
-        <a:defRPr sz="1080" kern="1200">
+      <a:lvl2pPr marL="260604" algn="l" defTabSz="521208" rtl="0" eaLnBrk="1" latinLnBrk="0" hangingPunct="1">
+        <a:defRPr sz="1026" kern="1200">
           <a:solidFill>
             <a:schemeClr val="tx1"/>
           </a:solidFill>
@@ -2891,8 +2891,8 @@
           <a:cs typeface="+mn-cs"/>
         </a:defRPr>
       </a:lvl2pPr>
-      <a:lvl3pPr marL="548640" algn="l" defTabSz="548640" rtl="0" eaLnBrk="1" latinLnBrk="0" hangingPunct="1">
-        <a:defRPr sz="1080" kern="1200">
+      <a:lvl3pPr marL="521208" algn="l" defTabSz="521208" rtl="0" eaLnBrk="1" latinLnBrk="0" hangingPunct="1">
+        <a:defRPr sz="1026" kern="1200">
           <a:solidFill>
             <a:schemeClr val="tx1"/>
           </a:solidFill>
@@ -2901,8 +2901,8 @@
           <a:cs typeface="+mn-cs"/>
         </a:defRPr>
       </a:lvl3pPr>
-      <a:lvl4pPr marL="822960" algn="l" defTabSz="548640" rtl="0" eaLnBrk="1" latinLnBrk="0" hangingPunct="1">
-        <a:defRPr sz="1080" kern="1200">
+      <a:lvl4pPr marL="781812" algn="l" defTabSz="521208" rtl="0" eaLnBrk="1" latinLnBrk="0" hangingPunct="1">
+        <a:defRPr sz="1026" kern="1200">
           <a:solidFill>
             <a:schemeClr val="tx1"/>
           </a:solidFill>
@@ -2911,8 +2911,8 @@
           <a:cs typeface="+mn-cs"/>
         </a:defRPr>
       </a:lvl4pPr>
-      <a:lvl5pPr marL="1097280" algn="l" defTabSz="548640" rtl="0" eaLnBrk="1" latinLnBrk="0" hangingPunct="1">
-        <a:defRPr sz="1080" kern="1200">
+      <a:lvl5pPr marL="1042416" algn="l" defTabSz="521208" rtl="0" eaLnBrk="1" latinLnBrk="0" hangingPunct="1">
+        <a:defRPr sz="1026" kern="1200">
           <a:solidFill>
             <a:schemeClr val="tx1"/>
           </a:solidFill>
@@ -2921,8 +2921,8 @@
           <a:cs typeface="+mn-cs"/>
         </a:defRPr>
       </a:lvl5pPr>
-      <a:lvl6pPr marL="1371600" algn="l" defTabSz="548640" rtl="0" eaLnBrk="1" latinLnBrk="0" hangingPunct="1">
-        <a:defRPr sz="1080" kern="1200">
+      <a:lvl6pPr marL="1303020" algn="l" defTabSz="521208" rtl="0" eaLnBrk="1" latinLnBrk="0" hangingPunct="1">
+        <a:defRPr sz="1026" kern="1200">
           <a:solidFill>
             <a:schemeClr val="tx1"/>
           </a:solidFill>
@@ -2931,8 +2931,8 @@
           <a:cs typeface="+mn-cs"/>
         </a:defRPr>
       </a:lvl6pPr>
-      <a:lvl7pPr marL="1645920" algn="l" defTabSz="548640" rtl="0" eaLnBrk="1" latinLnBrk="0" hangingPunct="1">
-        <a:defRPr sz="1080" kern="1200">
+      <a:lvl7pPr marL="1563624" algn="l" defTabSz="521208" rtl="0" eaLnBrk="1" latinLnBrk="0" hangingPunct="1">
+        <a:defRPr sz="1026" kern="1200">
           <a:solidFill>
             <a:schemeClr val="tx1"/>
           </a:solidFill>
@@ -2941,8 +2941,8 @@
           <a:cs typeface="+mn-cs"/>
         </a:defRPr>
       </a:lvl7pPr>
-      <a:lvl8pPr marL="1920240" algn="l" defTabSz="548640" rtl="0" eaLnBrk="1" latinLnBrk="0" hangingPunct="1">
-        <a:defRPr sz="1080" kern="1200">
+      <a:lvl8pPr marL="1824228" algn="l" defTabSz="521208" rtl="0" eaLnBrk="1" latinLnBrk="0" hangingPunct="1">
+        <a:defRPr sz="1026" kern="1200">
           <a:solidFill>
             <a:schemeClr val="tx1"/>
           </a:solidFill>
@@ -2951,8 +2951,8 @@
           <a:cs typeface="+mn-cs"/>
         </a:defRPr>
       </a:lvl8pPr>
-      <a:lvl9pPr marL="2194560" algn="l" defTabSz="548640" rtl="0" eaLnBrk="1" latinLnBrk="0" hangingPunct="1">
-        <a:defRPr sz="1080" kern="1200">
+      <a:lvl9pPr marL="2084832" algn="l" defTabSz="521208" rtl="0" eaLnBrk="1" latinLnBrk="0" hangingPunct="1">
+        <a:defRPr sz="1026" kern="1200">
           <a:solidFill>
             <a:schemeClr val="tx1"/>
           </a:solidFill>
@@ -2997,7 +2997,7 @@
         </p:nvSpPr>
         <p:spPr>
           <a:xfrm>
-            <a:off x="2140234" y="94957"/>
+            <a:off x="1733136" y="94958"/>
             <a:ext cx="3189693" cy="5439335"/>
           </a:xfrm>
           <a:prstGeom prst="rect">
@@ -3052,7 +3052,7 @@
         </p:nvSpPr>
         <p:spPr>
           <a:xfrm>
-            <a:off x="741114" y="94957"/>
+            <a:off x="334015" y="94958"/>
             <a:ext cx="1439486" cy="5439335"/>
           </a:xfrm>
           <a:prstGeom prst="rect">
@@ -3092,8 +3092,8 @@
           </a:p>
         </p:txBody>
       </p:sp>
-      <mc:AlternateContent xmlns:mc="http://schemas.openxmlformats.org/markup-compatibility/2006" xmlns:a14="http://schemas.microsoft.com/office/drawing/2010/main">
-        <mc:Choice Requires="a14">
+      <mc:AlternateContent xmlns:mc="http://schemas.openxmlformats.org/markup-compatibility/2006">
+        <mc:Choice xmlns:a14="http://schemas.microsoft.com/office/drawing/2010/main" Requires="a14">
           <p:sp>
             <p:nvSpPr>
               <p:cNvPr id="97" name="TextBox 96">
@@ -3108,7 +3108,7 @@
             </p:nvSpPr>
             <p:spPr>
               <a:xfrm>
-                <a:off x="3523425" y="4209667"/>
+                <a:off x="3116327" y="4209667"/>
                 <a:ext cx="643023" cy="523220"/>
               </a:xfrm>
               <a:prstGeom prst="rect">
@@ -3135,7 +3135,7 @@
                       <m:sSub>
                         <m:sSubPr>
                           <m:ctrlPr>
-                            <a:rPr lang="en-US" sz="2800" i="1" smtClean="0">
+                            <a:rPr lang="en-US" sz="2800" i="1">
                               <a:solidFill>
                                 <a:srgbClr val="0000FF"/>
                               </a:solidFill>
@@ -3178,7 +3178,7 @@
             </p:txBody>
           </p:sp>
         </mc:Choice>
-        <mc:Fallback xmlns="">
+        <mc:Fallback>
           <p:sp>
             <p:nvSpPr>
               <p:cNvPr id="97" name="TextBox 96">
@@ -3195,7 +3195,7 @@
             </p:nvSpPr>
             <p:spPr>
               <a:xfrm>
-                <a:off x="3523425" y="4209667"/>
+                <a:off x="3116327" y="4209667"/>
                 <a:ext cx="643023" cy="523220"/>
               </a:xfrm>
               <a:prstGeom prst="rect">
@@ -3240,7 +3240,7 @@
         </p:nvSpPr>
         <p:spPr>
           <a:xfrm>
-            <a:off x="3033827" y="301998"/>
+            <a:off x="2626729" y="301998"/>
             <a:ext cx="2589237" cy="523220"/>
           </a:xfrm>
           <a:prstGeom prst="rect">
@@ -3279,7 +3279,7 @@
         </p:nvSpPr>
         <p:spPr>
           <a:xfrm>
-            <a:off x="2180599" y="1017056"/>
+            <a:off x="1773501" y="1017057"/>
             <a:ext cx="1939413" cy="3546987"/>
           </a:xfrm>
           <a:custGeom>
@@ -3501,7 +3501,7 @@
         </p:nvSpPr>
         <p:spPr>
           <a:xfrm>
-            <a:off x="3319809" y="1788312"/>
+            <a:off x="2912711" y="1788313"/>
             <a:ext cx="416859" cy="416859"/>
           </a:xfrm>
           <a:prstGeom prst="ellipse">
@@ -3557,7 +3557,7 @@
         </p:nvSpPr>
         <p:spPr>
           <a:xfrm>
-            <a:off x="1972175" y="808627"/>
+            <a:off x="1565077" y="808628"/>
             <a:ext cx="416859" cy="416859"/>
           </a:xfrm>
           <a:prstGeom prst="ellipse">
@@ -3613,7 +3613,7 @@
         </p:nvSpPr>
         <p:spPr>
           <a:xfrm>
-            <a:off x="3911587" y="3151015"/>
+            <a:off x="3504489" y="3151016"/>
             <a:ext cx="416859" cy="416859"/>
           </a:xfrm>
           <a:prstGeom prst="ellipse">
@@ -3669,7 +3669,7 @@
         </p:nvSpPr>
         <p:spPr>
           <a:xfrm>
-            <a:off x="3152995" y="4103368"/>
+            <a:off x="2745897" y="4103369"/>
             <a:ext cx="416859" cy="416859"/>
           </a:xfrm>
           <a:prstGeom prst="ellipse">
@@ -3725,7 +3725,7 @@
         </p:nvSpPr>
         <p:spPr>
           <a:xfrm>
-            <a:off x="1972173" y="4355614"/>
+            <a:off x="1565075" y="4355615"/>
             <a:ext cx="416859" cy="416859"/>
           </a:xfrm>
           <a:prstGeom prst="ellipse">
@@ -3783,7 +3783,7 @@
         </p:nvCxnSpPr>
         <p:spPr>
           <a:xfrm flipH="1" flipV="1">
-            <a:off x="3914670" y="2877051"/>
+            <a:off x="3507571" y="2877051"/>
             <a:ext cx="205342" cy="498258"/>
           </a:xfrm>
           <a:prstGeom prst="straightConnector1">
@@ -3827,7 +3827,7 @@
         </p:nvCxnSpPr>
         <p:spPr>
           <a:xfrm>
-            <a:off x="3528157" y="1989895"/>
+            <a:off x="3121059" y="1989895"/>
             <a:ext cx="218613" cy="485546"/>
           </a:xfrm>
           <a:prstGeom prst="straightConnector1">
@@ -3871,7 +3871,7 @@
         </p:nvCxnSpPr>
         <p:spPr>
           <a:xfrm flipH="1" flipV="1">
-            <a:off x="3120526" y="1679033"/>
+            <a:off x="2713427" y="1679034"/>
             <a:ext cx="407626" cy="310867"/>
           </a:xfrm>
           <a:prstGeom prst="straightConnector1">
@@ -3916,7 +3916,7 @@
         </p:nvCxnSpPr>
         <p:spPr>
           <a:xfrm>
-            <a:off x="2180594" y="1017057"/>
+            <a:off x="1773495" y="1017058"/>
             <a:ext cx="427136" cy="310285"/>
           </a:xfrm>
           <a:prstGeom prst="straightConnector1">
@@ -3960,7 +3960,7 @@
         </p:nvCxnSpPr>
         <p:spPr>
           <a:xfrm flipH="1">
-            <a:off x="3792477" y="3359445"/>
+            <a:off x="3385378" y="3359446"/>
             <a:ext cx="327536" cy="415605"/>
           </a:xfrm>
           <a:prstGeom prst="straightConnector1">
@@ -4004,7 +4004,7 @@
         </p:nvCxnSpPr>
         <p:spPr>
           <a:xfrm flipV="1">
-            <a:off x="3361419" y="3896153"/>
+            <a:off x="2954320" y="3896154"/>
             <a:ext cx="338528" cy="428111"/>
           </a:xfrm>
           <a:prstGeom prst="straightConnector1">
@@ -4049,7 +4049,7 @@
         </p:nvCxnSpPr>
         <p:spPr>
           <a:xfrm flipV="1">
-            <a:off x="2180599" y="4455407"/>
+            <a:off x="1773501" y="4455408"/>
             <a:ext cx="520583" cy="108637"/>
           </a:xfrm>
           <a:prstGeom prst="straightConnector1">
@@ -4077,8 +4077,8 @@
           </a:fontRef>
         </p:style>
       </p:cxnSp>
-      <mc:AlternateContent xmlns:mc="http://schemas.openxmlformats.org/markup-compatibility/2006" xmlns:a14="http://schemas.microsoft.com/office/drawing/2010/main">
-        <mc:Choice Requires="a14">
+      <mc:AlternateContent xmlns:mc="http://schemas.openxmlformats.org/markup-compatibility/2006">
+        <mc:Choice xmlns:a14="http://schemas.microsoft.com/office/drawing/2010/main" Requires="a14">
           <p:sp>
             <p:nvSpPr>
               <p:cNvPr id="110" name="TextBox 109">
@@ -4093,7 +4093,7 @@
             </p:nvSpPr>
             <p:spPr>
               <a:xfrm>
-                <a:off x="3769851" y="2094461"/>
+                <a:off x="3362752" y="2094462"/>
                 <a:ext cx="781066" cy="471539"/>
               </a:xfrm>
               <a:prstGeom prst="rect">
@@ -4159,7 +4159,7 @@
             </p:txBody>
           </p:sp>
         </mc:Choice>
-        <mc:Fallback xmlns="">
+        <mc:Fallback>
           <p:sp>
             <p:nvSpPr>
               <p:cNvPr id="110" name="TextBox 109">
@@ -4176,7 +4176,7 @@
             </p:nvSpPr>
             <p:spPr>
               <a:xfrm>
-                <a:off x="3769851" y="2094461"/>
+                <a:off x="3362752" y="2094462"/>
                 <a:ext cx="781066" cy="471539"/>
               </a:xfrm>
               <a:prstGeom prst="rect">
@@ -4185,7 +4185,7 @@
               <a:blipFill>
                 <a:blip r:embed="rId3"/>
                 <a:stretch>
-                  <a:fillRect l="-1550" t="-5195"/>
+                  <a:fillRect l="-2344" t="-5195"/>
                 </a:stretch>
               </a:blipFill>
               <a:ln w="57150">
@@ -4223,7 +4223,7 @@
         </p:nvCxnSpPr>
         <p:spPr>
           <a:xfrm flipV="1">
-            <a:off x="2180598" y="332355"/>
+            <a:off x="1773499" y="332356"/>
             <a:ext cx="0" cy="684701"/>
           </a:xfrm>
           <a:prstGeom prst="straightConnector1">
@@ -4267,7 +4267,7 @@
         </p:nvCxnSpPr>
         <p:spPr>
           <a:xfrm flipH="1">
-            <a:off x="2176687" y="1017057"/>
+            <a:off x="1769589" y="1017058"/>
             <a:ext cx="3917" cy="476271"/>
           </a:xfrm>
           <a:prstGeom prst="straightConnector1">
@@ -4295,8 +4295,8 @@
           </a:fontRef>
         </p:style>
       </p:cxnSp>
-      <mc:AlternateContent xmlns:mc="http://schemas.openxmlformats.org/markup-compatibility/2006" xmlns:a14="http://schemas.microsoft.com/office/drawing/2010/main">
-        <mc:Choice Requires="a14">
+      <mc:AlternateContent xmlns:mc="http://schemas.openxmlformats.org/markup-compatibility/2006">
+        <mc:Choice xmlns:a14="http://schemas.microsoft.com/office/drawing/2010/main" Requires="a14">
           <p:sp>
             <p:nvSpPr>
               <p:cNvPr id="121" name="TextBox 120">
@@ -4311,7 +4311,7 @@
             </p:nvSpPr>
             <p:spPr>
               <a:xfrm>
-                <a:off x="873953" y="1145003"/>
+                <a:off x="466854" y="1145003"/>
                 <a:ext cx="1177274" cy="509178"/>
               </a:xfrm>
               <a:prstGeom prst="rect">
@@ -4416,7 +4416,7 @@
             </p:txBody>
           </p:sp>
         </mc:Choice>
-        <mc:Fallback xmlns="">
+        <mc:Fallback>
           <p:sp>
             <p:nvSpPr>
               <p:cNvPr id="121" name="TextBox 120">
@@ -4433,7 +4433,7 @@
             </p:nvSpPr>
             <p:spPr>
               <a:xfrm>
-                <a:off x="873953" y="1145003"/>
+                <a:off x="466854" y="1145003"/>
                 <a:ext cx="1177274" cy="509178"/>
               </a:xfrm>
               <a:prstGeom prst="rect">
@@ -4464,8 +4464,8 @@
           </p:sp>
         </mc:Fallback>
       </mc:AlternateContent>
-      <mc:AlternateContent xmlns:mc="http://schemas.openxmlformats.org/markup-compatibility/2006" xmlns:a14="http://schemas.microsoft.com/office/drawing/2010/main">
-        <mc:Choice Requires="a14">
+      <mc:AlternateContent xmlns:mc="http://schemas.openxmlformats.org/markup-compatibility/2006">
+        <mc:Choice xmlns:a14="http://schemas.microsoft.com/office/drawing/2010/main" Requires="a14">
           <p:sp>
             <p:nvSpPr>
               <p:cNvPr id="122" name="TextBox 121">
@@ -4480,7 +4480,7 @@
             </p:nvSpPr>
             <p:spPr>
               <a:xfrm>
-                <a:off x="1078864" y="231361"/>
+                <a:off x="671765" y="231361"/>
                 <a:ext cx="968130" cy="505844"/>
               </a:xfrm>
               <a:prstGeom prst="rect">
@@ -4568,7 +4568,7 @@
             </p:txBody>
           </p:sp>
         </mc:Choice>
-        <mc:Fallback xmlns="">
+        <mc:Fallback>
           <p:sp>
             <p:nvSpPr>
               <p:cNvPr id="122" name="TextBox 121">
@@ -4585,7 +4585,7 @@
             </p:nvSpPr>
             <p:spPr>
               <a:xfrm>
-                <a:off x="1078864" y="231361"/>
+                <a:off x="671765" y="231361"/>
                 <a:ext cx="968130" cy="505844"/>
               </a:xfrm>
               <a:prstGeom prst="rect">
@@ -4632,7 +4632,7 @@
         </p:nvCxnSpPr>
         <p:spPr>
           <a:xfrm rot="10800000" flipV="1">
-            <a:off x="2182943" y="4574103"/>
+            <a:off x="1775844" y="4574104"/>
             <a:ext cx="0" cy="684701"/>
           </a:xfrm>
           <a:prstGeom prst="straightConnector1">
@@ -4676,7 +4676,7 @@
         </p:nvCxnSpPr>
         <p:spPr>
           <a:xfrm rot="10800000" flipH="1">
-            <a:off x="2180990" y="4097833"/>
+            <a:off x="1773892" y="4097834"/>
             <a:ext cx="3917" cy="476271"/>
           </a:xfrm>
           <a:prstGeom prst="straightConnector1">
@@ -4704,8 +4704,8 @@
           </a:fontRef>
         </p:style>
       </p:cxnSp>
-      <mc:AlternateContent xmlns:mc="http://schemas.openxmlformats.org/markup-compatibility/2006" xmlns:a14="http://schemas.microsoft.com/office/drawing/2010/main">
-        <mc:Choice Requires="a14">
+      <mc:AlternateContent xmlns:mc="http://schemas.openxmlformats.org/markup-compatibility/2006">
+        <mc:Choice xmlns:a14="http://schemas.microsoft.com/office/drawing/2010/main" Requires="a14">
           <p:sp>
             <p:nvSpPr>
               <p:cNvPr id="134" name="TextBox 133">
@@ -4720,7 +4720,7 @@
             </p:nvSpPr>
             <p:spPr>
               <a:xfrm>
-                <a:off x="898733" y="3774209"/>
+                <a:off x="491634" y="3774209"/>
                 <a:ext cx="1177274" cy="462434"/>
               </a:xfrm>
               <a:prstGeom prst="rect">
@@ -4808,7 +4808,7 @@
             </p:txBody>
           </p:sp>
         </mc:Choice>
-        <mc:Fallback xmlns="">
+        <mc:Fallback>
           <p:sp>
             <p:nvSpPr>
               <p:cNvPr id="134" name="TextBox 133">
@@ -4825,7 +4825,7 @@
             </p:nvSpPr>
             <p:spPr>
               <a:xfrm>
-                <a:off x="898733" y="3774209"/>
+                <a:off x="491634" y="3774209"/>
                 <a:ext cx="1177274" cy="462434"/>
               </a:xfrm>
               <a:prstGeom prst="rect">
@@ -4856,8 +4856,8 @@
           </p:sp>
         </mc:Fallback>
       </mc:AlternateContent>
-      <mc:AlternateContent xmlns:mc="http://schemas.openxmlformats.org/markup-compatibility/2006" xmlns:a14="http://schemas.microsoft.com/office/drawing/2010/main">
-        <mc:Choice Requires="a14">
+      <mc:AlternateContent xmlns:mc="http://schemas.openxmlformats.org/markup-compatibility/2006">
+        <mc:Choice xmlns:a14="http://schemas.microsoft.com/office/drawing/2010/main" Requires="a14">
           <p:sp>
             <p:nvSpPr>
               <p:cNvPr id="135" name="TextBox 134">
@@ -4872,7 +4872,7 @@
             </p:nvSpPr>
             <p:spPr>
               <a:xfrm>
-                <a:off x="429182" y="4807034"/>
+                <a:off x="22084" y="4807034"/>
                 <a:ext cx="1655765" cy="522964"/>
               </a:xfrm>
               <a:prstGeom prst="rect">
@@ -4977,7 +4977,7 @@
             </p:txBody>
           </p:sp>
         </mc:Choice>
-        <mc:Fallback xmlns="">
+        <mc:Fallback>
           <p:sp>
             <p:nvSpPr>
               <p:cNvPr id="135" name="TextBox 134">
@@ -4994,7 +4994,7 @@
             </p:nvSpPr>
             <p:spPr>
               <a:xfrm>
-                <a:off x="429182" y="4807034"/>
+                <a:off x="22084" y="4807034"/>
                 <a:ext cx="1655765" cy="522964"/>
               </a:xfrm>
               <a:prstGeom prst="rect">
@@ -5039,7 +5039,7 @@
         </p:nvSpPr>
         <p:spPr>
           <a:xfrm>
-            <a:off x="2787350" y="1113571"/>
+            <a:off x="2380251" y="1113572"/>
             <a:ext cx="1815878" cy="3880925"/>
           </a:xfrm>
           <a:prstGeom prst="rect">
@@ -5092,7 +5092,7 @@
         </p:nvSpPr>
         <p:spPr>
           <a:xfrm>
-            <a:off x="868311" y="207160"/>
+            <a:off x="461212" y="207161"/>
             <a:ext cx="1815878" cy="1550931"/>
           </a:xfrm>
           <a:prstGeom prst="rect">
@@ -5147,7 +5147,7 @@
         </p:nvSpPr>
         <p:spPr>
           <a:xfrm>
-            <a:off x="831886" y="3749195"/>
+            <a:off x="424788" y="3749196"/>
             <a:ext cx="1903889" cy="1657349"/>
           </a:xfrm>
           <a:prstGeom prst="rect">
@@ -5202,8 +5202,8 @@
         </p:nvSpPr>
         <p:spPr>
           <a:xfrm>
-            <a:off x="-418546" y="2258549"/>
-            <a:ext cx="2535699" cy="954107"/>
+            <a:off x="356798" y="2258550"/>
+            <a:ext cx="1353256" cy="954107"/>
           </a:xfrm>
           <a:prstGeom prst="rect">
             <a:avLst/>
@@ -5225,7 +5225,26 @@
                   </a:schemeClr>
                 </a:solidFill>
               </a:rPr>
-              <a:t>Unbalanced Young’s force</a:t>
+              <a:t>Young’s </a:t>
+            </a:r>
+            <a:br>
+              <a:rPr lang="en-US" sz="2800" dirty="0">
+                <a:solidFill>
+                  <a:schemeClr val="accent6">
+                    <a:lumMod val="75000"/>
+                  </a:schemeClr>
+                </a:solidFill>
+              </a:rPr>
+            </a:br>
+            <a:r>
+              <a:rPr lang="en-US" sz="2800" dirty="0">
+                <a:solidFill>
+                  <a:schemeClr val="accent6">
+                    <a:lumMod val="75000"/>
+                  </a:schemeClr>
+                </a:solidFill>
+              </a:rPr>
+              <a:t>force</a:t>
             </a:r>
           </a:p>
         </p:txBody>
@@ -5246,7 +5265,7 @@
         </p:nvCxnSpPr>
         <p:spPr>
           <a:xfrm flipV="1">
-            <a:off x="1487370" y="1767750"/>
+            <a:off x="1080272" y="1767750"/>
             <a:ext cx="210019" cy="526880"/>
           </a:xfrm>
           <a:prstGeom prst="line">
@@ -5291,7 +5310,7 @@
         </p:nvCxnSpPr>
         <p:spPr>
           <a:xfrm>
-            <a:off x="1521515" y="3186675"/>
+            <a:off x="1114416" y="3186675"/>
             <a:ext cx="187820" cy="562520"/>
           </a:xfrm>
           <a:prstGeom prst="line">
@@ -5336,7 +5355,7 @@
         </p:nvCxnSpPr>
         <p:spPr>
           <a:xfrm flipV="1">
-            <a:off x="3941518" y="775980"/>
+            <a:off x="3534420" y="775980"/>
             <a:ext cx="141791" cy="337592"/>
           </a:xfrm>
           <a:prstGeom prst="line">
@@ -5377,7 +5396,7 @@
         </p:nvSpPr>
         <p:spPr>
           <a:xfrm>
-            <a:off x="1337471" y="156126"/>
+            <a:off x="930372" y="156126"/>
             <a:ext cx="1686254" cy="1686254"/>
           </a:xfrm>
           <a:prstGeom prst="arc">
@@ -5435,7 +5454,7 @@
             </p:nvSpPr>
             <p:spPr>
               <a:xfrm>
-                <a:off x="1935834" y="2459435"/>
+                <a:off x="1528736" y="2459435"/>
                 <a:ext cx="1134457" cy="523220"/>
               </a:xfrm>
               <a:prstGeom prst="rect">
@@ -5459,7 +5478,7 @@
                       <m:sSub>
                         <m:sSubPr>
                           <m:ctrlPr>
-                            <a:rPr lang="en-US" sz="2800" b="0" i="1" dirty="0" smtClean="0">
+                            <a:rPr lang="en-US" sz="2800" i="1" dirty="0">
                               <a:solidFill>
                                 <a:schemeClr val="accent2">
                                   <a:lumMod val="75000"/>
@@ -5471,7 +5490,7 @@
                         </m:sSubPr>
                         <m:e>
                           <m:r>
-                            <a:rPr lang="en-US" sz="2800" b="0" i="1" dirty="0" smtClean="0">
+                            <a:rPr lang="en-US" sz="2800" i="1" dirty="0">
                               <a:solidFill>
                                 <a:schemeClr val="accent2">
                                   <a:lumMod val="75000"/>
@@ -5484,7 +5503,7 @@
                         </m:e>
                         <m:sub>
                           <m:r>
-                            <a:rPr lang="en-US" sz="2800" b="0" i="1" dirty="0" smtClean="0">
+                            <a:rPr lang="en-US" sz="2800" i="1" dirty="0">
                               <a:solidFill>
                                 <a:schemeClr val="accent2">
                                   <a:lumMod val="75000"/>
@@ -5527,7 +5546,7 @@
             </p:nvSpPr>
             <p:spPr>
               <a:xfrm>
-                <a:off x="1935834" y="2459435"/>
+                <a:off x="1528736" y="2459435"/>
                 <a:ext cx="1134457" cy="523220"/>
               </a:xfrm>
               <a:prstGeom prst="rect">
@@ -5569,7 +5588,7 @@
         </p:nvSpPr>
         <p:spPr>
           <a:xfrm>
-            <a:off x="1498630" y="3883329"/>
+            <a:off x="1091531" y="3883329"/>
             <a:ext cx="1332768" cy="1332768"/>
           </a:xfrm>
           <a:prstGeom prst="arc">
@@ -5628,7 +5647,7 @@
         </p:nvCxnSpPr>
         <p:spPr>
           <a:xfrm flipH="1">
-            <a:off x="2846779" y="4328069"/>
+            <a:off x="2439681" y="4328070"/>
             <a:ext cx="513691" cy="100123"/>
           </a:xfrm>
           <a:prstGeom prst="straightConnector1">
@@ -5673,7 +5692,7 @@
         </p:nvCxnSpPr>
         <p:spPr>
           <a:xfrm flipV="1">
-            <a:off x="2503063" y="1779846"/>
+            <a:off x="2095965" y="1779847"/>
             <a:ext cx="44989" cy="679589"/>
           </a:xfrm>
           <a:prstGeom prst="line">
@@ -5719,7 +5738,7 @@
         </p:nvCxnSpPr>
         <p:spPr>
           <a:xfrm flipH="1" flipV="1">
-            <a:off x="2503063" y="2982655"/>
+            <a:off x="2095965" y="2982655"/>
             <a:ext cx="50651" cy="1017908"/>
           </a:xfrm>
           <a:prstGeom prst="line">
